--- a/R/Results/TJHherb_envmat.pptx
+++ b/R/Results/TJHherb_envmat.pptx
@@ -4,10 +4,8 @@
   <p:sldMasterIdLst>
     <p:sldMasterId id="2147483648" r:id="rId1"/>
   </p:sldMasterIdLst>
-  <p:sldIdLst>
-    <p:sldId id="256" r:id="rId2"/>
-    <p:sldId id="257" r:id="rId3"/>
-    <p:sldId id="258" r:id="rId4"/>
+  <p:sldIdLst xmlns:a="http://schemas.openxmlformats.org/drawingml/2006/main" xmlns:r="http://schemas.openxmlformats.org/officeDocument/2006/relationships" xmlns:p="http://schemas.openxmlformats.org/presentationml/2006/main">
+    <p:sldId id="256" r:id="rId6"/>
   </p:sldIdLst>
   <p:sldSz cx="10698163" cy="7562850"/>
   <p:notesSz cx="6858000" cy="9144000"/>
@@ -106,22 +104,6 @@
       </a:defRPr>
     </a:lvl9pPr>
   </p:defaultTextStyle>
-  <p:extLst>
-    <p:ext uri="{EFAFB233-063F-42B5-8137-9DF3F51BA10A}">
-      <p15:sldGuideLst xmlns:p15="http://schemas.microsoft.com/office/powerpoint/2012/main">
-        <p15:guide id="1" orient="horz" pos="2382">
-          <p15:clr>
-            <a:srgbClr val="A4A3A4"/>
-          </p15:clr>
-        </p15:guide>
-        <p15:guide id="2" pos="3370">
-          <p15:clr>
-            <a:srgbClr val="A4A3A4"/>
-          </p15:clr>
-        </p15:guide>
-      </p15:sldGuideLst>
-    </p:ext>
-  </p:extLst>
 </p:presentation>
 </file>
 
@@ -306,7 +288,7 @@
           <a:p>
             <a:fld id="{6BA5D40C-A8DC-479A-A5D3-E7B4936A184B}" type="datetimeFigureOut">
               <a:rPr lang="en-GB" smtClean="0"/>
-              <a:t>19/05/2019</a:t>
+              <a:t>15/07/2015</a:t>
             </a:fld>
             <a:endParaRPr lang="en-GB"/>
           </a:p>
@@ -476,7 +458,7 @@
           <a:p>
             <a:fld id="{6BA5D40C-A8DC-479A-A5D3-E7B4936A184B}" type="datetimeFigureOut">
               <a:rPr lang="en-GB" smtClean="0"/>
-              <a:t>19/05/2019</a:t>
+              <a:t>15/07/2015</a:t>
             </a:fld>
             <a:endParaRPr lang="en-GB"/>
           </a:p>
@@ -656,7 +638,7 @@
           <a:p>
             <a:fld id="{6BA5D40C-A8DC-479A-A5D3-E7B4936A184B}" type="datetimeFigureOut">
               <a:rPr lang="en-GB" smtClean="0"/>
-              <a:t>19/05/2019</a:t>
+              <a:t>15/07/2015</a:t>
             </a:fld>
             <a:endParaRPr lang="en-GB"/>
           </a:p>
@@ -826,7 +808,7 @@
           <a:p>
             <a:fld id="{6BA5D40C-A8DC-479A-A5D3-E7B4936A184B}" type="datetimeFigureOut">
               <a:rPr lang="en-GB" smtClean="0"/>
-              <a:t>19/05/2019</a:t>
+              <a:t>15/07/2015</a:t>
             </a:fld>
             <a:endParaRPr lang="en-GB"/>
           </a:p>
@@ -1072,7 +1054,7 @@
           <a:p>
             <a:fld id="{6BA5D40C-A8DC-479A-A5D3-E7B4936A184B}" type="datetimeFigureOut">
               <a:rPr lang="en-GB" smtClean="0"/>
-              <a:t>19/05/2019</a:t>
+              <a:t>15/07/2015</a:t>
             </a:fld>
             <a:endParaRPr lang="en-GB"/>
           </a:p>
@@ -1360,7 +1342,7 @@
           <a:p>
             <a:fld id="{6BA5D40C-A8DC-479A-A5D3-E7B4936A184B}" type="datetimeFigureOut">
               <a:rPr lang="en-GB" smtClean="0"/>
-              <a:t>19/05/2019</a:t>
+              <a:t>15/07/2015</a:t>
             </a:fld>
             <a:endParaRPr lang="en-GB"/>
           </a:p>
@@ -1787,7 +1769,7 @@
           <a:p>
             <a:fld id="{6BA5D40C-A8DC-479A-A5D3-E7B4936A184B}" type="datetimeFigureOut">
               <a:rPr lang="en-GB" smtClean="0"/>
-              <a:t>19/05/2019</a:t>
+              <a:t>15/07/2015</a:t>
             </a:fld>
             <a:endParaRPr lang="en-GB"/>
           </a:p>
@@ -1905,7 +1887,7 @@
           <a:p>
             <a:fld id="{6BA5D40C-A8DC-479A-A5D3-E7B4936A184B}" type="datetimeFigureOut">
               <a:rPr lang="en-GB" smtClean="0"/>
-              <a:t>19/05/2019</a:t>
+              <a:t>15/07/2015</a:t>
             </a:fld>
             <a:endParaRPr lang="en-GB"/>
           </a:p>
@@ -2000,7 +1982,7 @@
           <a:p>
             <a:fld id="{6BA5D40C-A8DC-479A-A5D3-E7B4936A184B}" type="datetimeFigureOut">
               <a:rPr lang="en-GB" smtClean="0"/>
-              <a:t>19/05/2019</a:t>
+              <a:t>15/07/2015</a:t>
             </a:fld>
             <a:endParaRPr lang="en-GB"/>
           </a:p>
@@ -2277,7 +2259,7 @@
           <a:p>
             <a:fld id="{6BA5D40C-A8DC-479A-A5D3-E7B4936A184B}" type="datetimeFigureOut">
               <a:rPr lang="en-GB" smtClean="0"/>
-              <a:t>19/05/2019</a:t>
+              <a:t>15/07/2015</a:t>
             </a:fld>
             <a:endParaRPr lang="en-GB"/>
           </a:p>
@@ -2530,7 +2512,7 @@
           <a:p>
             <a:fld id="{6BA5D40C-A8DC-479A-A5D3-E7B4936A184B}" type="datetimeFigureOut">
               <a:rPr lang="en-GB" smtClean="0"/>
-              <a:t>19/05/2019</a:t>
+              <a:t>15/07/2015</a:t>
             </a:fld>
             <a:endParaRPr lang="en-GB"/>
           </a:p>
@@ -2743,7 +2725,7 @@
           <a:p>
             <a:fld id="{6BA5D40C-A8DC-479A-A5D3-E7B4936A184B}" type="datetimeFigureOut">
               <a:rPr lang="en-GB" smtClean="0"/>
-              <a:t>19/05/2019</a:t>
+              <a:t>15/07/2015</a:t>
             </a:fld>
             <a:endParaRPr lang="en-GB"/>
           </a:p>
@@ -3118,7 +3100,7 @@
           <a:chExt cx="0" cy="0"/>
         </a:xfrm>
       </p:grpSpPr>
-      <p:grpSp>
+      <p:grpSp xmlns:a="http://schemas.openxmlformats.org/drawingml/2006/main" xmlns:r="http://schemas.openxmlformats.org/officeDocument/2006/relationships" xmlns:p="http://schemas.openxmlformats.org/presentationml/2006/main" xmlns:pic="http://schemas.openxmlformats.org/drawingml/2006/picture">
         <p:nvGrpSpPr>
           <p:cNvPr id="2" name="grp1"/>
           <p:cNvGrpSpPr/>
@@ -3164,9 +3146,7 @@
           <p:txBody>
             <a:bodyPr/>
             <a:lstStyle/>
-            <a:p>
-              <a:endParaRPr/>
-            </a:p>
+            <a:p/>
           </p:txBody>
         </p:sp>
         <p:sp>
@@ -3182,12 +3162,8 @@
             </a:xfrm>
             <a:custGeom>
               <a:avLst/>
-              <a:gdLst/>
-              <a:ahLst/>
-              <a:cxnLst/>
-              <a:rect l="0" t="0" r="0" b="0"/>
               <a:pathLst>
-                <a:path w="3270379">
+                <a:path w="3270379" h="0">
                   <a:moveTo>
                     <a:pt x="0" y="0"/>
                   </a:moveTo>
@@ -3210,9 +3186,7 @@
           <p:txBody>
             <a:bodyPr/>
             <a:lstStyle/>
-            <a:p>
-              <a:endParaRPr/>
-            </a:p>
+            <a:p/>
           </p:txBody>
         </p:sp>
         <p:sp>
@@ -3228,12 +3202,8 @@
             </a:xfrm>
             <a:custGeom>
               <a:avLst/>
-              <a:gdLst/>
-              <a:ahLst/>
-              <a:cxnLst/>
-              <a:rect l="0" t="0" r="0" b="0"/>
               <a:pathLst>
-                <a:path h="91439">
+                <a:path w="0" h="91439">
                   <a:moveTo>
                     <a:pt x="0" y="0"/>
                   </a:moveTo>
@@ -3256,9 +3226,7 @@
           <p:txBody>
             <a:bodyPr/>
             <a:lstStyle/>
-            <a:p>
-              <a:endParaRPr/>
-            </a:p>
+            <a:p/>
           </p:txBody>
         </p:sp>
         <p:sp>
@@ -3274,12 +3242,8 @@
             </a:xfrm>
             <a:custGeom>
               <a:avLst/>
-              <a:gdLst/>
-              <a:ahLst/>
-              <a:cxnLst/>
-              <a:rect l="0" t="0" r="0" b="0"/>
               <a:pathLst>
-                <a:path h="91439">
+                <a:path w="0" h="91439">
                   <a:moveTo>
                     <a:pt x="0" y="0"/>
                   </a:moveTo>
@@ -3302,9 +3266,7 @@
           <p:txBody>
             <a:bodyPr/>
             <a:lstStyle/>
-            <a:p>
-              <a:endParaRPr/>
-            </a:p>
+            <a:p/>
           </p:txBody>
         </p:sp>
         <p:sp>
@@ -3320,12 +3282,8 @@
             </a:xfrm>
             <a:custGeom>
               <a:avLst/>
-              <a:gdLst/>
-              <a:ahLst/>
-              <a:cxnLst/>
-              <a:rect l="0" t="0" r="0" b="0"/>
               <a:pathLst>
-                <a:path h="91439">
+                <a:path w="0" h="91439">
                   <a:moveTo>
                     <a:pt x="0" y="0"/>
                   </a:moveTo>
@@ -3348,9 +3306,7 @@
           <p:txBody>
             <a:bodyPr/>
             <a:lstStyle/>
-            <a:p>
-              <a:endParaRPr/>
-            </a:p>
+            <a:p/>
           </p:txBody>
         </p:sp>
         <p:sp>
@@ -3366,12 +3322,8 @@
             </a:xfrm>
             <a:custGeom>
               <a:avLst/>
-              <a:gdLst/>
-              <a:ahLst/>
-              <a:cxnLst/>
-              <a:rect l="0" t="0" r="0" b="0"/>
               <a:pathLst>
-                <a:path h="91439">
+                <a:path w="0" h="91439">
                   <a:moveTo>
                     <a:pt x="0" y="0"/>
                   </a:moveTo>
@@ -3394,9 +3346,7 @@
           <p:txBody>
             <a:bodyPr/>
             <a:lstStyle/>
-            <a:p>
-              <a:endParaRPr/>
-            </a:p>
+            <a:p/>
           </p:txBody>
         </p:sp>
         <p:sp>
@@ -3412,12 +3362,8 @@
             </a:xfrm>
             <a:custGeom>
               <a:avLst/>
-              <a:gdLst/>
-              <a:ahLst/>
-              <a:cxnLst/>
-              <a:rect l="0" t="0" r="0" b="0"/>
               <a:pathLst>
-                <a:path h="91439">
+                <a:path w="0" h="91439">
                   <a:moveTo>
                     <a:pt x="0" y="0"/>
                   </a:moveTo>
@@ -3440,9 +3386,7 @@
           <p:txBody>
             <a:bodyPr/>
             <a:lstStyle/>
-            <a:p>
-              <a:endParaRPr/>
-            </a:p>
+            <a:p/>
           </p:txBody>
         </p:sp>
         <p:sp>
@@ -3458,12 +3402,8 @@
             </a:xfrm>
             <a:custGeom>
               <a:avLst/>
-              <a:gdLst/>
-              <a:ahLst/>
-              <a:cxnLst/>
-              <a:rect l="0" t="0" r="0" b="0"/>
               <a:pathLst>
-                <a:path h="91439">
+                <a:path w="0" h="91439">
                   <a:moveTo>
                     <a:pt x="0" y="0"/>
                   </a:moveTo>
@@ -3486,9 +3426,7 @@
           <p:txBody>
             <a:bodyPr/>
             <a:lstStyle/>
-            <a:p>
-              <a:endParaRPr/>
-            </a:p>
+            <a:p/>
           </p:txBody>
         </p:sp>
         <p:sp>
@@ -3508,10 +3446,10 @@
             <a:noFill/>
           </p:spPr>
           <p:txBody>
-            <a:bodyPr wrap="none" lIns="0" tIns="0" rIns="0" bIns="0" anchor="ctr" anchorCtr="1"/>
+            <a:bodyPr lIns="0" rIns="0" tIns="0" bIns="0" anchorCtr="1" anchor="ctr" wrap="none"/>
             <a:lstStyle/>
             <a:p>
-              <a:pPr marL="0" marR="0" indent="0" algn="l">
+              <a:pPr algn="l" marL="0" marR="0" indent="0">
                 <a:lnSpc>
                   <a:spcPts val="1200"/>
                 </a:lnSpc>
@@ -3554,10 +3492,10 @@
             <a:noFill/>
           </p:spPr>
           <p:txBody>
-            <a:bodyPr wrap="none" lIns="0" tIns="0" rIns="0" bIns="0" anchor="ctr" anchorCtr="1"/>
+            <a:bodyPr lIns="0" rIns="0" tIns="0" bIns="0" anchorCtr="1" anchor="ctr" wrap="none"/>
             <a:lstStyle/>
             <a:p>
-              <a:pPr marL="0" marR="0" indent="0" algn="l">
+              <a:pPr algn="l" marL="0" marR="0" indent="0">
                 <a:lnSpc>
                   <a:spcPts val="1200"/>
                 </a:lnSpc>
@@ -3600,10 +3538,10 @@
             <a:noFill/>
           </p:spPr>
           <p:txBody>
-            <a:bodyPr wrap="none" lIns="0" tIns="0" rIns="0" bIns="0" anchor="ctr" anchorCtr="1"/>
+            <a:bodyPr lIns="0" rIns="0" tIns="0" bIns="0" anchorCtr="1" anchor="ctr" wrap="none"/>
             <a:lstStyle/>
             <a:p>
-              <a:pPr marL="0" marR="0" indent="0" algn="l">
+              <a:pPr algn="l" marL="0" marR="0" indent="0">
                 <a:lnSpc>
                   <a:spcPts val="1200"/>
                 </a:lnSpc>
@@ -3646,10 +3584,10 @@
             <a:noFill/>
           </p:spPr>
           <p:txBody>
-            <a:bodyPr wrap="none" lIns="0" tIns="0" rIns="0" bIns="0" anchor="ctr" anchorCtr="1"/>
+            <a:bodyPr lIns="0" rIns="0" tIns="0" bIns="0" anchorCtr="1" anchor="ctr" wrap="none"/>
             <a:lstStyle/>
             <a:p>
-              <a:pPr marL="0" marR="0" indent="0" algn="l">
+              <a:pPr algn="l" marL="0" marR="0" indent="0">
                 <a:lnSpc>
                   <a:spcPts val="1200"/>
                 </a:lnSpc>
@@ -3692,10 +3630,10 @@
             <a:noFill/>
           </p:spPr>
           <p:txBody>
-            <a:bodyPr wrap="none" lIns="0" tIns="0" rIns="0" bIns="0" anchor="ctr" anchorCtr="1"/>
+            <a:bodyPr lIns="0" rIns="0" tIns="0" bIns="0" anchorCtr="1" anchor="ctr" wrap="none"/>
             <a:lstStyle/>
             <a:p>
-              <a:pPr marL="0" marR="0" indent="0" algn="l">
+              <a:pPr algn="l" marL="0" marR="0" indent="0">
                 <a:lnSpc>
                   <a:spcPts val="1200"/>
                 </a:lnSpc>
@@ -3738,10 +3676,10 @@
             <a:noFill/>
           </p:spPr>
           <p:txBody>
-            <a:bodyPr wrap="none" lIns="0" tIns="0" rIns="0" bIns="0" anchor="ctr" anchorCtr="1"/>
+            <a:bodyPr lIns="0" rIns="0" tIns="0" bIns="0" anchorCtr="1" anchor="ctr" wrap="none"/>
             <a:lstStyle/>
             <a:p>
-              <a:pPr marL="0" marR="0" indent="0" algn="l">
+              <a:pPr algn="l" marL="0" marR="0" indent="0">
                 <a:lnSpc>
                   <a:spcPts val="1200"/>
                 </a:lnSpc>
@@ -3780,12 +3718,8 @@
             </a:xfrm>
             <a:custGeom>
               <a:avLst/>
-              <a:gdLst/>
-              <a:ahLst/>
-              <a:cxnLst/>
-              <a:rect l="0" t="0" r="0" b="0"/>
               <a:pathLst>
-                <a:path h="3270504">
+                <a:path w="0" h="3270504">
                   <a:moveTo>
                     <a:pt x="0" y="3270504"/>
                   </a:moveTo>
@@ -3808,9 +3742,7 @@
           <p:txBody>
             <a:bodyPr/>
             <a:lstStyle/>
-            <a:p>
-              <a:endParaRPr/>
-            </a:p>
+            <a:p/>
           </p:txBody>
         </p:sp>
         <p:sp>
@@ -3826,12 +3758,8 @@
             </a:xfrm>
             <a:custGeom>
               <a:avLst/>
-              <a:gdLst/>
-              <a:ahLst/>
-              <a:cxnLst/>
-              <a:rect l="0" t="0" r="0" b="0"/>
               <a:pathLst>
-                <a:path w="91440">
+                <a:path w="91440" h="0">
                   <a:moveTo>
                     <a:pt x="91440" y="0"/>
                   </a:moveTo>
@@ -3854,9 +3782,7 @@
           <p:txBody>
             <a:bodyPr/>
             <a:lstStyle/>
-            <a:p>
-              <a:endParaRPr/>
-            </a:p>
+            <a:p/>
           </p:txBody>
         </p:sp>
         <p:sp>
@@ -3872,12 +3798,8 @@
             </a:xfrm>
             <a:custGeom>
               <a:avLst/>
-              <a:gdLst/>
-              <a:ahLst/>
-              <a:cxnLst/>
-              <a:rect l="0" t="0" r="0" b="0"/>
               <a:pathLst>
-                <a:path w="91440">
+                <a:path w="91440" h="0">
                   <a:moveTo>
                     <a:pt x="91440" y="0"/>
                   </a:moveTo>
@@ -3900,9 +3822,7 @@
           <p:txBody>
             <a:bodyPr/>
             <a:lstStyle/>
-            <a:p>
-              <a:endParaRPr/>
-            </a:p>
+            <a:p/>
           </p:txBody>
         </p:sp>
         <p:sp>
@@ -3918,12 +3838,8 @@
             </a:xfrm>
             <a:custGeom>
               <a:avLst/>
-              <a:gdLst/>
-              <a:ahLst/>
-              <a:cxnLst/>
-              <a:rect l="0" t="0" r="0" b="0"/>
               <a:pathLst>
-                <a:path w="91440">
+                <a:path w="91440" h="0">
                   <a:moveTo>
                     <a:pt x="91440" y="0"/>
                   </a:moveTo>
@@ -3946,9 +3862,7 @@
           <p:txBody>
             <a:bodyPr/>
             <a:lstStyle/>
-            <a:p>
-              <a:endParaRPr/>
-            </a:p>
+            <a:p/>
           </p:txBody>
         </p:sp>
         <p:sp>
@@ -3964,12 +3878,8 @@
             </a:xfrm>
             <a:custGeom>
               <a:avLst/>
-              <a:gdLst/>
-              <a:ahLst/>
-              <a:cxnLst/>
-              <a:rect l="0" t="0" r="0" b="0"/>
               <a:pathLst>
-                <a:path w="91440">
+                <a:path w="91440" h="0">
                   <a:moveTo>
                     <a:pt x="91440" y="0"/>
                   </a:moveTo>
@@ -3992,9 +3902,7 @@
           <p:txBody>
             <a:bodyPr/>
             <a:lstStyle/>
-            <a:p>
-              <a:endParaRPr/>
-            </a:p>
+            <a:p/>
           </p:txBody>
         </p:sp>
         <p:sp>
@@ -4010,12 +3918,8 @@
             </a:xfrm>
             <a:custGeom>
               <a:avLst/>
-              <a:gdLst/>
-              <a:ahLst/>
-              <a:cxnLst/>
-              <a:rect l="0" t="0" r="0" b="0"/>
               <a:pathLst>
-                <a:path w="91440">
+                <a:path w="91440" h="0">
                   <a:moveTo>
                     <a:pt x="91440" y="0"/>
                   </a:moveTo>
@@ -4038,9 +3942,7 @@
           <p:txBody>
             <a:bodyPr/>
             <a:lstStyle/>
-            <a:p>
-              <a:endParaRPr/>
-            </a:p>
+            <a:p/>
           </p:txBody>
         </p:sp>
         <p:sp>
@@ -4056,12 +3958,8 @@
             </a:xfrm>
             <a:custGeom>
               <a:avLst/>
-              <a:gdLst/>
-              <a:ahLst/>
-              <a:cxnLst/>
-              <a:rect l="0" t="0" r="0" b="0"/>
               <a:pathLst>
-                <a:path w="91440">
+                <a:path w="91440" h="0">
                   <a:moveTo>
                     <a:pt x="91440" y="0"/>
                   </a:moveTo>
@@ -4084,9 +3982,7 @@
           <p:txBody>
             <a:bodyPr/>
             <a:lstStyle/>
-            <a:p>
-              <a:endParaRPr/>
-            </a:p>
+            <a:p/>
           </p:txBody>
         </p:sp>
         <p:sp>
@@ -4106,10 +4002,10 @@
             <a:noFill/>
           </p:spPr>
           <p:txBody>
-            <a:bodyPr wrap="none" lIns="0" tIns="0" rIns="0" bIns="0" anchor="ctr" anchorCtr="1"/>
+            <a:bodyPr lIns="0" rIns="0" tIns="0" bIns="0" anchorCtr="1" anchor="ctr" wrap="none"/>
             <a:lstStyle/>
             <a:p>
-              <a:pPr marL="0" marR="0" indent="0" algn="l">
+              <a:pPr algn="l" marL="0" marR="0" indent="0">
                 <a:lnSpc>
                   <a:spcPts val="1200"/>
                 </a:lnSpc>
@@ -4152,10 +4048,10 @@
             <a:noFill/>
           </p:spPr>
           <p:txBody>
-            <a:bodyPr wrap="none" lIns="0" tIns="0" rIns="0" bIns="0" anchor="ctr" anchorCtr="1"/>
+            <a:bodyPr lIns="0" rIns="0" tIns="0" bIns="0" anchorCtr="1" anchor="ctr" wrap="none"/>
             <a:lstStyle/>
             <a:p>
-              <a:pPr marL="0" marR="0" indent="0" algn="l">
+              <a:pPr algn="l" marL="0" marR="0" indent="0">
                 <a:lnSpc>
                   <a:spcPts val="1200"/>
                 </a:lnSpc>
@@ -4198,10 +4094,10 @@
             <a:noFill/>
           </p:spPr>
           <p:txBody>
-            <a:bodyPr wrap="none" lIns="0" tIns="0" rIns="0" bIns="0" anchor="ctr" anchorCtr="1"/>
+            <a:bodyPr lIns="0" rIns="0" tIns="0" bIns="0" anchorCtr="1" anchor="ctr" wrap="none"/>
             <a:lstStyle/>
             <a:p>
-              <a:pPr marL="0" marR="0" indent="0" algn="l">
+              <a:pPr algn="l" marL="0" marR="0" indent="0">
                 <a:lnSpc>
                   <a:spcPts val="1200"/>
                 </a:lnSpc>
@@ -4244,10 +4140,10 @@
             <a:noFill/>
           </p:spPr>
           <p:txBody>
-            <a:bodyPr wrap="none" lIns="0" tIns="0" rIns="0" bIns="0" anchor="ctr" anchorCtr="1"/>
+            <a:bodyPr lIns="0" rIns="0" tIns="0" bIns="0" anchorCtr="1" anchor="ctr" wrap="none"/>
             <a:lstStyle/>
             <a:p>
-              <a:pPr marL="0" marR="0" indent="0" algn="l">
+              <a:pPr algn="l" marL="0" marR="0" indent="0">
                 <a:lnSpc>
                   <a:spcPts val="1200"/>
                 </a:lnSpc>
@@ -4290,10 +4186,10 @@
             <a:noFill/>
           </p:spPr>
           <p:txBody>
-            <a:bodyPr wrap="none" lIns="0" tIns="0" rIns="0" bIns="0" anchor="ctr" anchorCtr="1"/>
+            <a:bodyPr lIns="0" rIns="0" tIns="0" bIns="0" anchorCtr="1" anchor="ctr" wrap="none"/>
             <a:lstStyle/>
             <a:p>
-              <a:pPr marL="0" marR="0" indent="0" algn="l">
+              <a:pPr algn="l" marL="0" marR="0" indent="0">
                 <a:lnSpc>
                   <a:spcPts val="1200"/>
                 </a:lnSpc>
@@ -4336,10 +4232,10 @@
             <a:noFill/>
           </p:spPr>
           <p:txBody>
-            <a:bodyPr wrap="none" lIns="0" tIns="0" rIns="0" bIns="0" anchor="ctr" anchorCtr="1"/>
+            <a:bodyPr lIns="0" rIns="0" tIns="0" bIns="0" anchorCtr="1" anchor="ctr" wrap="none"/>
             <a:lstStyle/>
             <a:p>
-              <a:pPr marL="0" marR="0" indent="0" algn="l">
+              <a:pPr algn="l" marL="0" marR="0" indent="0">
                 <a:lnSpc>
                   <a:spcPts val="1200"/>
                 </a:lnSpc>
@@ -4378,10 +4274,6 @@
             </a:xfrm>
             <a:custGeom>
               <a:avLst/>
-              <a:gdLst/>
-              <a:ahLst/>
-              <a:cxnLst/>
-              <a:rect l="0" t="0" r="0" b="0"/>
               <a:pathLst>
                 <a:path w="3714368" h="3270504">
                   <a:moveTo>
@@ -4415,9 +4307,7 @@
           <p:txBody>
             <a:bodyPr/>
             <a:lstStyle/>
-            <a:p>
-              <a:endParaRPr/>
-            </a:p>
+            <a:p/>
           </p:txBody>
         </p:sp>
         <p:pic>
@@ -4472,19 +4362,15 @@
           </p:nvSpPr>
           <p:spPr>
             <a:xfrm>
-              <a:off x="7416577" y="3343479"/>
-              <a:ext cx="0" cy="961213"/>
+              <a:off x="7416577" y="2988825"/>
+              <a:ext cx="0" cy="1210284"/>
             </a:xfrm>
             <a:custGeom>
               <a:avLst/>
-              <a:gdLst/>
-              <a:ahLst/>
-              <a:cxnLst/>
-              <a:rect l="0" t="0" r="0" b="0"/>
               <a:pathLst>
-                <a:path h="961213">
+                <a:path w="0" h="1210284">
                   <a:moveTo>
-                    <a:pt x="0" y="961213"/>
+                    <a:pt x="0" y="1210284"/>
                   </a:moveTo>
                   <a:lnTo>
                     <a:pt x="0" y="0"/>
@@ -4505,9 +4391,7 @@
           <p:txBody>
             <a:bodyPr/>
             <a:lstStyle/>
-            <a:p>
-              <a:endParaRPr/>
-            </a:p>
+            <a:p/>
           </p:txBody>
         </p:sp>
         <p:sp>
@@ -4518,17 +4402,13 @@
           </p:nvSpPr>
           <p:spPr>
             <a:xfrm>
-              <a:off x="7416577" y="4304693"/>
+              <a:off x="7416577" y="4199109"/>
               <a:ext cx="91440" cy="0"/>
             </a:xfrm>
             <a:custGeom>
               <a:avLst/>
-              <a:gdLst/>
-              <a:ahLst/>
-              <a:cxnLst/>
-              <a:rect l="0" t="0" r="0" b="0"/>
               <a:pathLst>
-                <a:path w="91440">
+                <a:path w="91440" h="0">
                   <a:moveTo>
                     <a:pt x="0" y="0"/>
                   </a:moveTo>
@@ -4551,9 +4431,7 @@
           <p:txBody>
             <a:bodyPr/>
             <a:lstStyle/>
-            <a:p>
-              <a:endParaRPr/>
-            </a:p>
+            <a:p/>
           </p:txBody>
         </p:sp>
         <p:sp>
@@ -4564,17 +4442,13 @@
           </p:nvSpPr>
           <p:spPr>
             <a:xfrm>
-              <a:off x="7416577" y="3824086"/>
+              <a:off x="7416577" y="3795681"/>
               <a:ext cx="91440" cy="0"/>
             </a:xfrm>
             <a:custGeom>
               <a:avLst/>
-              <a:gdLst/>
-              <a:ahLst/>
-              <a:cxnLst/>
-              <a:rect l="0" t="0" r="0" b="0"/>
               <a:pathLst>
-                <a:path w="91440">
+                <a:path w="91440" h="0">
                   <a:moveTo>
                     <a:pt x="0" y="0"/>
                   </a:moveTo>
@@ -4597,9 +4471,7 @@
           <p:txBody>
             <a:bodyPr/>
             <a:lstStyle/>
-            <a:p>
-              <a:endParaRPr/>
-            </a:p>
+            <a:p/>
           </p:txBody>
         </p:sp>
         <p:sp>
@@ -4610,17 +4482,13 @@
           </p:nvSpPr>
           <p:spPr>
             <a:xfrm>
-              <a:off x="7416577" y="3343479"/>
+              <a:off x="7416577" y="3392253"/>
               <a:ext cx="91440" cy="0"/>
             </a:xfrm>
             <a:custGeom>
               <a:avLst/>
-              <a:gdLst/>
-              <a:ahLst/>
-              <a:cxnLst/>
-              <a:rect l="0" t="0" r="0" b="0"/>
               <a:pathLst>
-                <a:path w="91440">
+                <a:path w="91440" h="0">
                   <a:moveTo>
                     <a:pt x="0" y="0"/>
                   </a:moveTo>
@@ -4643,21 +4511,59 @@
           <p:txBody>
             <a:bodyPr/>
             <a:lstStyle/>
-            <a:p>
-              <a:endParaRPr/>
-            </a:p>
+            <a:p/>
           </p:txBody>
         </p:sp>
         <p:sp>
           <p:nvSpPr>
-            <p:cNvPr id="37" name="tx37"/>
+            <p:cNvPr id="37" name="pl37"/>
             <p:cNvSpPr/>
             <p:nvPr/>
           </p:nvSpPr>
           <p:spPr>
             <a:xfrm>
-              <a:off x="7599458" y="4247840"/>
-              <a:ext cx="347364" cy="111397"/>
+              <a:off x="7416577" y="2988825"/>
+              <a:ext cx="91440" cy="0"/>
+            </a:xfrm>
+            <a:custGeom>
+              <a:avLst/>
+              <a:pathLst>
+                <a:path w="91440" h="0">
+                  <a:moveTo>
+                    <a:pt x="0" y="0"/>
+                  </a:moveTo>
+                  <a:lnTo>
+                    <a:pt x="91440" y="0"/>
+                  </a:lnTo>
+                </a:path>
+              </a:pathLst>
+            </a:custGeom>
+            <a:ln w="9525" cap="rnd">
+              <a:solidFill>
+                <a:srgbClr val="000000">
+                  <a:alpha val="100000"/>
+                </a:srgbClr>
+              </a:solidFill>
+              <a:prstDash val="solid"/>
+              <a:round/>
+            </a:ln>
+          </p:spPr>
+          <p:txBody>
+            <a:bodyPr/>
+            <a:lstStyle/>
+            <a:p/>
+          </p:txBody>
+        </p:sp>
+        <p:sp>
+          <p:nvSpPr>
+            <p:cNvPr id="38" name="tx38"/>
+            <p:cNvSpPr/>
+            <p:nvPr/>
+          </p:nvSpPr>
+          <p:spPr>
+            <a:xfrm>
+              <a:off x="7599458" y="4142257"/>
+              <a:ext cx="262607" cy="111397"/>
             </a:xfrm>
             <a:prstGeom prst="rect">
               <a:avLst/>
@@ -4665,10 +4571,10 @@
             <a:noFill/>
           </p:spPr>
           <p:txBody>
-            <a:bodyPr wrap="none" lIns="0" tIns="0" rIns="0" bIns="0" anchor="ctr" anchorCtr="1"/>
+            <a:bodyPr lIns="0" rIns="0" tIns="0" bIns="0" anchorCtr="1" anchor="ctr" wrap="none"/>
             <a:lstStyle/>
             <a:p>
-              <a:pPr marL="0" marR="0" indent="0" algn="l">
+              <a:pPr algn="l" marL="0" marR="0" indent="0">
                 <a:lnSpc>
                   <a:spcPts val="1200"/>
                 </a:lnSpc>
@@ -4689,21 +4595,21 @@
                   <a:latin typeface="Arial"/>
                   <a:cs typeface="Arial"/>
                 </a:rPr>
-                <a:t>-0.05</a:t>
+                <a:t>-0.2</a:t>
               </a:r>
             </a:p>
           </p:txBody>
         </p:sp>
         <p:sp>
           <p:nvSpPr>
-            <p:cNvPr id="38" name="tx38"/>
+            <p:cNvPr id="39" name="tx39"/>
             <p:cNvSpPr/>
             <p:nvPr/>
           </p:nvSpPr>
           <p:spPr>
             <a:xfrm>
-              <a:off x="7599458" y="3767234"/>
-              <a:ext cx="296614" cy="111397"/>
+              <a:off x="7599458" y="3738829"/>
+              <a:ext cx="262607" cy="111397"/>
             </a:xfrm>
             <a:prstGeom prst="rect">
               <a:avLst/>
@@ -4711,10 +4617,10 @@
             <a:noFill/>
           </p:spPr>
           <p:txBody>
-            <a:bodyPr wrap="none" lIns="0" tIns="0" rIns="0" bIns="0" anchor="ctr" anchorCtr="1"/>
+            <a:bodyPr lIns="0" rIns="0" tIns="0" bIns="0" anchorCtr="1" anchor="ctr" wrap="none"/>
             <a:lstStyle/>
             <a:p>
-              <a:pPr marL="0" marR="0" indent="0" algn="l">
+              <a:pPr algn="l" marL="0" marR="0" indent="0">
                 <a:lnSpc>
                   <a:spcPts val="1200"/>
                 </a:lnSpc>
@@ -4735,21 +4641,21 @@
                   <a:latin typeface="Arial"/>
                   <a:cs typeface="Arial"/>
                 </a:rPr>
-                <a:t>0.00</a:t>
+                <a:t>-0.1</a:t>
               </a:r>
             </a:p>
           </p:txBody>
         </p:sp>
         <p:sp>
           <p:nvSpPr>
-            <p:cNvPr id="39" name="tx39"/>
+            <p:cNvPr id="40" name="tx40"/>
             <p:cNvSpPr/>
             <p:nvPr/>
           </p:nvSpPr>
           <p:spPr>
             <a:xfrm>
-              <a:off x="7599458" y="3286627"/>
-              <a:ext cx="296614" cy="111397"/>
+              <a:off x="7599458" y="3335401"/>
+              <a:ext cx="211856" cy="111397"/>
             </a:xfrm>
             <a:prstGeom prst="rect">
               <a:avLst/>
@@ -4757,10 +4663,10 @@
             <a:noFill/>
           </p:spPr>
           <p:txBody>
-            <a:bodyPr wrap="none" lIns="0" tIns="0" rIns="0" bIns="0" anchor="ctr" anchorCtr="1"/>
+            <a:bodyPr lIns="0" rIns="0" tIns="0" bIns="0" anchorCtr="1" anchor="ctr" wrap="none"/>
             <a:lstStyle/>
             <a:p>
-              <a:pPr marL="0" marR="0" indent="0" algn="l">
+              <a:pPr algn="l" marL="0" marR="0" indent="0">
                 <a:lnSpc>
                   <a:spcPts val="1200"/>
                 </a:lnSpc>
@@ -4781,14 +4687,60 @@
                   <a:latin typeface="Arial"/>
                   <a:cs typeface="Arial"/>
                 </a:rPr>
-                <a:t>0.05</a:t>
+                <a:t>0.0</a:t>
               </a:r>
             </a:p>
           </p:txBody>
         </p:sp>
         <p:sp>
           <p:nvSpPr>
-            <p:cNvPr id="40" name="pl40"/>
+            <p:cNvPr id="41" name="tx41"/>
+            <p:cNvSpPr/>
+            <p:nvPr/>
+          </p:nvSpPr>
+          <p:spPr>
+            <a:xfrm>
+              <a:off x="7599458" y="2931973"/>
+              <a:ext cx="211856" cy="111397"/>
+            </a:xfrm>
+            <a:prstGeom prst="rect">
+              <a:avLst/>
+            </a:prstGeom>
+            <a:noFill/>
+          </p:spPr>
+          <p:txBody>
+            <a:bodyPr lIns="0" rIns="0" tIns="0" bIns="0" anchorCtr="1" anchor="ctr" wrap="none"/>
+            <a:lstStyle/>
+            <a:p>
+              <a:pPr algn="l" marL="0" marR="0" indent="0">
+                <a:lnSpc>
+                  <a:spcPts val="1200"/>
+                </a:lnSpc>
+                <a:spcBef>
+                  <a:spcPts val="0"/>
+                </a:spcBef>
+                <a:spcAft>
+                  <a:spcPts val="0"/>
+                </a:spcAft>
+              </a:pPr>
+              <a:r>
+                <a:rPr sz="1200">
+                  <a:solidFill>
+                    <a:srgbClr val="000000">
+                      <a:alpha val="100000"/>
+                    </a:srgbClr>
+                  </a:solidFill>
+                  <a:latin typeface="Arial"/>
+                  <a:cs typeface="Arial"/>
+                </a:rPr>
+                <a:t>0.1</a:t>
+              </a:r>
+            </a:p>
+          </p:txBody>
+        </p:sp>
+        <p:sp>
+          <p:nvSpPr>
+            <p:cNvPr id="42" name="pl42"/>
             <p:cNvSpPr/>
             <p:nvPr/>
           </p:nvSpPr>
@@ -4799,10 +4751,6 @@
             </a:xfrm>
             <a:custGeom>
               <a:avLst/>
-              <a:gdLst/>
-              <a:ahLst/>
-              <a:cxnLst/>
-              <a:rect l="0" t="0" r="0" b="0"/>
               <a:pathLst>
                 <a:path w="82295" h="1635252">
                   <a:moveTo>
@@ -4836,14 +4784,12 @@
           <p:txBody>
             <a:bodyPr/>
             <a:lstStyle/>
-            <a:p>
-              <a:endParaRPr/>
-            </a:p>
+            <a:p/>
           </p:txBody>
         </p:sp>
         <p:sp>
           <p:nvSpPr>
-            <p:cNvPr id="41" name="pl41"/>
+            <p:cNvPr id="43" name="pl43"/>
             <p:cNvSpPr/>
             <p:nvPr/>
           </p:nvSpPr>
@@ -4854,10 +4800,6 @@
             </a:xfrm>
             <a:custGeom>
               <a:avLst/>
-              <a:gdLst/>
-              <a:ahLst/>
-              <a:cxnLst/>
-              <a:rect l="0" t="0" r="0" b="0"/>
               <a:pathLst>
                 <a:path w="3714368" h="3270504">
                   <a:moveTo>
@@ -4891,4367 +4833,11 @@
           <p:txBody>
             <a:bodyPr/>
             <a:lstStyle/>
-            <a:p>
-              <a:endParaRPr/>
-            </a:p>
+            <a:p/>
           </p:txBody>
         </p:sp>
       </p:grpSp>
     </p:spTree>
-  </p:cSld>
-  <p:clrMapOvr>
-    <a:masterClrMapping/>
-  </p:clrMapOvr>
-</p:sld>
-</file>
-
-<file path=ppt/slides/slide2.xml><?xml version="1.0" encoding="utf-8"?>
-<p:sld xmlns:a="http://schemas.openxmlformats.org/drawingml/2006/main" xmlns:r="http://schemas.openxmlformats.org/officeDocument/2006/relationships" xmlns:p="http://schemas.openxmlformats.org/presentationml/2006/main">
-  <p:cSld>
-    <p:spTree>
-      <p:nvGrpSpPr>
-        <p:cNvPr id="1" name=""/>
-        <p:cNvGrpSpPr/>
-        <p:nvPr/>
-      </p:nvGrpSpPr>
-      <p:grpSpPr>
-        <a:xfrm>
-          <a:off x="0" y="0"/>
-          <a:ext cx="0" cy="0"/>
-          <a:chOff x="0" y="0"/>
-          <a:chExt cx="0" cy="0"/>
-        </a:xfrm>
-      </p:grpSpPr>
-      <p:grpSp>
-        <p:nvGrpSpPr>
-          <p:cNvPr id="2" name="grp1"/>
-          <p:cNvGrpSpPr/>
-          <p:nvPr/>
-        </p:nvGrpSpPr>
-        <p:grpSpPr>
-          <a:xfrm>
-            <a:off x="2582069" y="1304925"/>
-            <a:ext cx="5534024" cy="4952999"/>
-            <a:chOff x="2582069" y="1304925"/>
-            <a:chExt cx="5534024" cy="4952999"/>
-          </a:xfrm>
-        </p:grpSpPr>
-        <p:sp>
-          <p:nvSpPr>
-            <p:cNvPr id="3" name="rc3"/>
-            <p:cNvSpPr/>
-            <p:nvPr/>
-          </p:nvSpPr>
-          <p:spPr>
-            <a:xfrm>
-              <a:off x="2582069" y="1304925"/>
-              <a:ext cx="5534024" cy="4952999"/>
-            </a:xfrm>
-            <a:prstGeom prst="rect">
-              <a:avLst/>
-            </a:prstGeom>
-            <a:solidFill>
-              <a:srgbClr val="FFFFFF">
-                <a:alpha val="100000"/>
-              </a:srgbClr>
-            </a:solidFill>
-            <a:ln w="9525" cap="rnd">
-              <a:solidFill>
-                <a:srgbClr val="FFFFFF">
-                  <a:alpha val="100000"/>
-                </a:srgbClr>
-              </a:solidFill>
-              <a:prstDash val="solid"/>
-              <a:round/>
-            </a:ln>
-          </p:spPr>
-          <p:txBody>
-            <a:bodyPr/>
-            <a:lstStyle/>
-            <a:p>
-              <a:endParaRPr/>
-            </a:p>
-          </p:txBody>
-        </p:sp>
-        <p:sp>
-          <p:nvSpPr>
-            <p:cNvPr id="4" name="pl4"/>
-            <p:cNvSpPr/>
-            <p:nvPr/>
-          </p:nvSpPr>
-          <p:spPr>
-            <a:xfrm>
-              <a:off x="3553871" y="5325237"/>
-              <a:ext cx="3270379" cy="0"/>
-            </a:xfrm>
-            <a:custGeom>
-              <a:avLst/>
-              <a:gdLst/>
-              <a:ahLst/>
-              <a:cxnLst/>
-              <a:rect l="0" t="0" r="0" b="0"/>
-              <a:pathLst>
-                <a:path w="3270379">
-                  <a:moveTo>
-                    <a:pt x="0" y="0"/>
-                  </a:moveTo>
-                  <a:lnTo>
-                    <a:pt x="3270379" y="0"/>
-                  </a:lnTo>
-                </a:path>
-              </a:pathLst>
-            </a:custGeom>
-            <a:ln w="9525" cap="rnd">
-              <a:solidFill>
-                <a:srgbClr val="000000">
-                  <a:alpha val="100000"/>
-                </a:srgbClr>
-              </a:solidFill>
-              <a:prstDash val="solid"/>
-              <a:round/>
-            </a:ln>
-          </p:spPr>
-          <p:txBody>
-            <a:bodyPr/>
-            <a:lstStyle/>
-            <a:p>
-              <a:endParaRPr/>
-            </a:p>
-          </p:txBody>
-        </p:sp>
-        <p:sp>
-          <p:nvSpPr>
-            <p:cNvPr id="5" name="pl5"/>
-            <p:cNvSpPr/>
-            <p:nvPr/>
-          </p:nvSpPr>
-          <p:spPr>
-            <a:xfrm>
-              <a:off x="3553871" y="5325237"/>
-              <a:ext cx="0" cy="91439"/>
-            </a:xfrm>
-            <a:custGeom>
-              <a:avLst/>
-              <a:gdLst/>
-              <a:ahLst/>
-              <a:cxnLst/>
-              <a:rect l="0" t="0" r="0" b="0"/>
-              <a:pathLst>
-                <a:path h="91439">
-                  <a:moveTo>
-                    <a:pt x="0" y="0"/>
-                  </a:moveTo>
-                  <a:lnTo>
-                    <a:pt x="0" y="91439"/>
-                  </a:lnTo>
-                </a:path>
-              </a:pathLst>
-            </a:custGeom>
-            <a:ln w="9525" cap="rnd">
-              <a:solidFill>
-                <a:srgbClr val="000000">
-                  <a:alpha val="100000"/>
-                </a:srgbClr>
-              </a:solidFill>
-              <a:prstDash val="solid"/>
-              <a:round/>
-            </a:ln>
-          </p:spPr>
-          <p:txBody>
-            <a:bodyPr/>
-            <a:lstStyle/>
-            <a:p>
-              <a:endParaRPr/>
-            </a:p>
-          </p:txBody>
-        </p:sp>
-        <p:sp>
-          <p:nvSpPr>
-            <p:cNvPr id="6" name="pl6"/>
-            <p:cNvSpPr/>
-            <p:nvPr/>
-          </p:nvSpPr>
-          <p:spPr>
-            <a:xfrm>
-              <a:off x="4207947" y="5325237"/>
-              <a:ext cx="0" cy="91439"/>
-            </a:xfrm>
-            <a:custGeom>
-              <a:avLst/>
-              <a:gdLst/>
-              <a:ahLst/>
-              <a:cxnLst/>
-              <a:rect l="0" t="0" r="0" b="0"/>
-              <a:pathLst>
-                <a:path h="91439">
-                  <a:moveTo>
-                    <a:pt x="0" y="0"/>
-                  </a:moveTo>
-                  <a:lnTo>
-                    <a:pt x="0" y="91439"/>
-                  </a:lnTo>
-                </a:path>
-              </a:pathLst>
-            </a:custGeom>
-            <a:ln w="9525" cap="rnd">
-              <a:solidFill>
-                <a:srgbClr val="000000">
-                  <a:alpha val="100000"/>
-                </a:srgbClr>
-              </a:solidFill>
-              <a:prstDash val="solid"/>
-              <a:round/>
-            </a:ln>
-          </p:spPr>
-          <p:txBody>
-            <a:bodyPr/>
-            <a:lstStyle/>
-            <a:p>
-              <a:endParaRPr/>
-            </a:p>
-          </p:txBody>
-        </p:sp>
-        <p:sp>
-          <p:nvSpPr>
-            <p:cNvPr id="7" name="pl7"/>
-            <p:cNvSpPr/>
-            <p:nvPr/>
-          </p:nvSpPr>
-          <p:spPr>
-            <a:xfrm>
-              <a:off x="4862023" y="5325237"/>
-              <a:ext cx="0" cy="91439"/>
-            </a:xfrm>
-            <a:custGeom>
-              <a:avLst/>
-              <a:gdLst/>
-              <a:ahLst/>
-              <a:cxnLst/>
-              <a:rect l="0" t="0" r="0" b="0"/>
-              <a:pathLst>
-                <a:path h="91439">
-                  <a:moveTo>
-                    <a:pt x="0" y="0"/>
-                  </a:moveTo>
-                  <a:lnTo>
-                    <a:pt x="0" y="91439"/>
-                  </a:lnTo>
-                </a:path>
-              </a:pathLst>
-            </a:custGeom>
-            <a:ln w="9525" cap="rnd">
-              <a:solidFill>
-                <a:srgbClr val="000000">
-                  <a:alpha val="100000"/>
-                </a:srgbClr>
-              </a:solidFill>
-              <a:prstDash val="solid"/>
-              <a:round/>
-            </a:ln>
-          </p:spPr>
-          <p:txBody>
-            <a:bodyPr/>
-            <a:lstStyle/>
-            <a:p>
-              <a:endParaRPr/>
-            </a:p>
-          </p:txBody>
-        </p:sp>
-        <p:sp>
-          <p:nvSpPr>
-            <p:cNvPr id="8" name="pl8"/>
-            <p:cNvSpPr/>
-            <p:nvPr/>
-          </p:nvSpPr>
-          <p:spPr>
-            <a:xfrm>
-              <a:off x="5516099" y="5325237"/>
-              <a:ext cx="0" cy="91439"/>
-            </a:xfrm>
-            <a:custGeom>
-              <a:avLst/>
-              <a:gdLst/>
-              <a:ahLst/>
-              <a:cxnLst/>
-              <a:rect l="0" t="0" r="0" b="0"/>
-              <a:pathLst>
-                <a:path h="91439">
-                  <a:moveTo>
-                    <a:pt x="0" y="0"/>
-                  </a:moveTo>
-                  <a:lnTo>
-                    <a:pt x="0" y="91439"/>
-                  </a:lnTo>
-                </a:path>
-              </a:pathLst>
-            </a:custGeom>
-            <a:ln w="9525" cap="rnd">
-              <a:solidFill>
-                <a:srgbClr val="000000">
-                  <a:alpha val="100000"/>
-                </a:srgbClr>
-              </a:solidFill>
-              <a:prstDash val="solid"/>
-              <a:round/>
-            </a:ln>
-          </p:spPr>
-          <p:txBody>
-            <a:bodyPr/>
-            <a:lstStyle/>
-            <a:p>
-              <a:endParaRPr/>
-            </a:p>
-          </p:txBody>
-        </p:sp>
-        <p:sp>
-          <p:nvSpPr>
-            <p:cNvPr id="9" name="pl9"/>
-            <p:cNvSpPr/>
-            <p:nvPr/>
-          </p:nvSpPr>
-          <p:spPr>
-            <a:xfrm>
-              <a:off x="6170175" y="5325237"/>
-              <a:ext cx="0" cy="91439"/>
-            </a:xfrm>
-            <a:custGeom>
-              <a:avLst/>
-              <a:gdLst/>
-              <a:ahLst/>
-              <a:cxnLst/>
-              <a:rect l="0" t="0" r="0" b="0"/>
-              <a:pathLst>
-                <a:path h="91439">
-                  <a:moveTo>
-                    <a:pt x="0" y="0"/>
-                  </a:moveTo>
-                  <a:lnTo>
-                    <a:pt x="0" y="91439"/>
-                  </a:lnTo>
-                </a:path>
-              </a:pathLst>
-            </a:custGeom>
-            <a:ln w="9525" cap="rnd">
-              <a:solidFill>
-                <a:srgbClr val="000000">
-                  <a:alpha val="100000"/>
-                </a:srgbClr>
-              </a:solidFill>
-              <a:prstDash val="solid"/>
-              <a:round/>
-            </a:ln>
-          </p:spPr>
-          <p:txBody>
-            <a:bodyPr/>
-            <a:lstStyle/>
-            <a:p>
-              <a:endParaRPr/>
-            </a:p>
-          </p:txBody>
-        </p:sp>
-        <p:sp>
-          <p:nvSpPr>
-            <p:cNvPr id="10" name="pl10"/>
-            <p:cNvSpPr/>
-            <p:nvPr/>
-          </p:nvSpPr>
-          <p:spPr>
-            <a:xfrm>
-              <a:off x="6824251" y="5325237"/>
-              <a:ext cx="0" cy="91439"/>
-            </a:xfrm>
-            <a:custGeom>
-              <a:avLst/>
-              <a:gdLst/>
-              <a:ahLst/>
-              <a:cxnLst/>
-              <a:rect l="0" t="0" r="0" b="0"/>
-              <a:pathLst>
-                <a:path h="91439">
-                  <a:moveTo>
-                    <a:pt x="0" y="0"/>
-                  </a:moveTo>
-                  <a:lnTo>
-                    <a:pt x="0" y="91439"/>
-                  </a:lnTo>
-                </a:path>
-              </a:pathLst>
-            </a:custGeom>
-            <a:ln w="9525" cap="rnd">
-              <a:solidFill>
-                <a:srgbClr val="000000">
-                  <a:alpha val="100000"/>
-                </a:srgbClr>
-              </a:solidFill>
-              <a:prstDash val="solid"/>
-              <a:round/>
-            </a:ln>
-          </p:spPr>
-          <p:txBody>
-            <a:bodyPr/>
-            <a:lstStyle/>
-            <a:p>
-              <a:endParaRPr/>
-            </a:p>
-          </p:txBody>
-        </p:sp>
-        <p:sp>
-          <p:nvSpPr>
-            <p:cNvPr id="11" name="tx11"/>
-            <p:cNvSpPr/>
-            <p:nvPr/>
-          </p:nvSpPr>
-          <p:spPr>
-            <a:xfrm>
-              <a:off x="3447943" y="5543023"/>
-              <a:ext cx="211856" cy="111397"/>
-            </a:xfrm>
-            <a:prstGeom prst="rect">
-              <a:avLst/>
-            </a:prstGeom>
-            <a:noFill/>
-          </p:spPr>
-          <p:txBody>
-            <a:bodyPr wrap="none" lIns="0" tIns="0" rIns="0" bIns="0" anchor="ctr" anchorCtr="1"/>
-            <a:lstStyle/>
-            <a:p>
-              <a:pPr marL="0" marR="0" indent="0" algn="l">
-                <a:lnSpc>
-                  <a:spcPts val="1200"/>
-                </a:lnSpc>
-                <a:spcBef>
-                  <a:spcPts val="0"/>
-                </a:spcBef>
-                <a:spcAft>
-                  <a:spcPts val="0"/>
-                </a:spcAft>
-              </a:pPr>
-              <a:r>
-                <a:rPr sz="1200">
-                  <a:solidFill>
-                    <a:srgbClr val="000000">
-                      <a:alpha val="100000"/>
-                    </a:srgbClr>
-                  </a:solidFill>
-                  <a:latin typeface="Arial"/>
-                  <a:cs typeface="Arial"/>
-                </a:rPr>
-                <a:t>0.0</a:t>
-              </a:r>
-            </a:p>
-          </p:txBody>
-        </p:sp>
-        <p:sp>
-          <p:nvSpPr>
-            <p:cNvPr id="12" name="tx12"/>
-            <p:cNvSpPr/>
-            <p:nvPr/>
-          </p:nvSpPr>
-          <p:spPr>
-            <a:xfrm>
-              <a:off x="4102019" y="5543023"/>
-              <a:ext cx="211856" cy="111397"/>
-            </a:xfrm>
-            <a:prstGeom prst="rect">
-              <a:avLst/>
-            </a:prstGeom>
-            <a:noFill/>
-          </p:spPr>
-          <p:txBody>
-            <a:bodyPr wrap="none" lIns="0" tIns="0" rIns="0" bIns="0" anchor="ctr" anchorCtr="1"/>
-            <a:lstStyle/>
-            <a:p>
-              <a:pPr marL="0" marR="0" indent="0" algn="l">
-                <a:lnSpc>
-                  <a:spcPts val="1200"/>
-                </a:lnSpc>
-                <a:spcBef>
-                  <a:spcPts val="0"/>
-                </a:spcBef>
-                <a:spcAft>
-                  <a:spcPts val="0"/>
-                </a:spcAft>
-              </a:pPr>
-              <a:r>
-                <a:rPr sz="1200">
-                  <a:solidFill>
-                    <a:srgbClr val="000000">
-                      <a:alpha val="100000"/>
-                    </a:srgbClr>
-                  </a:solidFill>
-                  <a:latin typeface="Arial"/>
-                  <a:cs typeface="Arial"/>
-                </a:rPr>
-                <a:t>0.2</a:t>
-              </a:r>
-            </a:p>
-          </p:txBody>
-        </p:sp>
-        <p:sp>
-          <p:nvSpPr>
-            <p:cNvPr id="13" name="tx13"/>
-            <p:cNvSpPr/>
-            <p:nvPr/>
-          </p:nvSpPr>
-          <p:spPr>
-            <a:xfrm>
-              <a:off x="4756095" y="5543023"/>
-              <a:ext cx="211856" cy="111397"/>
-            </a:xfrm>
-            <a:prstGeom prst="rect">
-              <a:avLst/>
-            </a:prstGeom>
-            <a:noFill/>
-          </p:spPr>
-          <p:txBody>
-            <a:bodyPr wrap="none" lIns="0" tIns="0" rIns="0" bIns="0" anchor="ctr" anchorCtr="1"/>
-            <a:lstStyle/>
-            <a:p>
-              <a:pPr marL="0" marR="0" indent="0" algn="l">
-                <a:lnSpc>
-                  <a:spcPts val="1200"/>
-                </a:lnSpc>
-                <a:spcBef>
-                  <a:spcPts val="0"/>
-                </a:spcBef>
-                <a:spcAft>
-                  <a:spcPts val="0"/>
-                </a:spcAft>
-              </a:pPr>
-              <a:r>
-                <a:rPr sz="1200">
-                  <a:solidFill>
-                    <a:srgbClr val="000000">
-                      <a:alpha val="100000"/>
-                    </a:srgbClr>
-                  </a:solidFill>
-                  <a:latin typeface="Arial"/>
-                  <a:cs typeface="Arial"/>
-                </a:rPr>
-                <a:t>0.4</a:t>
-              </a:r>
-            </a:p>
-          </p:txBody>
-        </p:sp>
-        <p:sp>
-          <p:nvSpPr>
-            <p:cNvPr id="14" name="tx14"/>
-            <p:cNvSpPr/>
-            <p:nvPr/>
-          </p:nvSpPr>
-          <p:spPr>
-            <a:xfrm>
-              <a:off x="5410171" y="5543023"/>
-              <a:ext cx="211856" cy="111397"/>
-            </a:xfrm>
-            <a:prstGeom prst="rect">
-              <a:avLst/>
-            </a:prstGeom>
-            <a:noFill/>
-          </p:spPr>
-          <p:txBody>
-            <a:bodyPr wrap="none" lIns="0" tIns="0" rIns="0" bIns="0" anchor="ctr" anchorCtr="1"/>
-            <a:lstStyle/>
-            <a:p>
-              <a:pPr marL="0" marR="0" indent="0" algn="l">
-                <a:lnSpc>
-                  <a:spcPts val="1200"/>
-                </a:lnSpc>
-                <a:spcBef>
-                  <a:spcPts val="0"/>
-                </a:spcBef>
-                <a:spcAft>
-                  <a:spcPts val="0"/>
-                </a:spcAft>
-              </a:pPr>
-              <a:r>
-                <a:rPr sz="1200">
-                  <a:solidFill>
-                    <a:srgbClr val="000000">
-                      <a:alpha val="100000"/>
-                    </a:srgbClr>
-                  </a:solidFill>
-                  <a:latin typeface="Arial"/>
-                  <a:cs typeface="Arial"/>
-                </a:rPr>
-                <a:t>0.6</a:t>
-              </a:r>
-            </a:p>
-          </p:txBody>
-        </p:sp>
-        <p:sp>
-          <p:nvSpPr>
-            <p:cNvPr id="15" name="tx15"/>
-            <p:cNvSpPr/>
-            <p:nvPr/>
-          </p:nvSpPr>
-          <p:spPr>
-            <a:xfrm>
-              <a:off x="6064246" y="5543023"/>
-              <a:ext cx="211856" cy="111397"/>
-            </a:xfrm>
-            <a:prstGeom prst="rect">
-              <a:avLst/>
-            </a:prstGeom>
-            <a:noFill/>
-          </p:spPr>
-          <p:txBody>
-            <a:bodyPr wrap="none" lIns="0" tIns="0" rIns="0" bIns="0" anchor="ctr" anchorCtr="1"/>
-            <a:lstStyle/>
-            <a:p>
-              <a:pPr marL="0" marR="0" indent="0" algn="l">
-                <a:lnSpc>
-                  <a:spcPts val="1200"/>
-                </a:lnSpc>
-                <a:spcBef>
-                  <a:spcPts val="0"/>
-                </a:spcBef>
-                <a:spcAft>
-                  <a:spcPts val="0"/>
-                </a:spcAft>
-              </a:pPr>
-              <a:r>
-                <a:rPr sz="1200">
-                  <a:solidFill>
-                    <a:srgbClr val="000000">
-                      <a:alpha val="100000"/>
-                    </a:srgbClr>
-                  </a:solidFill>
-                  <a:latin typeface="Arial"/>
-                  <a:cs typeface="Arial"/>
-                </a:rPr>
-                <a:t>0.8</a:t>
-              </a:r>
-            </a:p>
-          </p:txBody>
-        </p:sp>
-        <p:sp>
-          <p:nvSpPr>
-            <p:cNvPr id="16" name="tx16"/>
-            <p:cNvSpPr/>
-            <p:nvPr/>
-          </p:nvSpPr>
-          <p:spPr>
-            <a:xfrm>
-              <a:off x="6718322" y="5543023"/>
-              <a:ext cx="211856" cy="111397"/>
-            </a:xfrm>
-            <a:prstGeom prst="rect">
-              <a:avLst/>
-            </a:prstGeom>
-            <a:noFill/>
-          </p:spPr>
-          <p:txBody>
-            <a:bodyPr wrap="none" lIns="0" tIns="0" rIns="0" bIns="0" anchor="ctr" anchorCtr="1"/>
-            <a:lstStyle/>
-            <a:p>
-              <a:pPr marL="0" marR="0" indent="0" algn="l">
-                <a:lnSpc>
-                  <a:spcPts val="1200"/>
-                </a:lnSpc>
-                <a:spcBef>
-                  <a:spcPts val="0"/>
-                </a:spcBef>
-                <a:spcAft>
-                  <a:spcPts val="0"/>
-                </a:spcAft>
-              </a:pPr>
-              <a:r>
-                <a:rPr sz="1200">
-                  <a:solidFill>
-                    <a:srgbClr val="000000">
-                      <a:alpha val="100000"/>
-                    </a:srgbClr>
-                  </a:solidFill>
-                  <a:latin typeface="Arial"/>
-                  <a:cs typeface="Arial"/>
-                </a:rPr>
-                <a:t>1.0</a:t>
-              </a:r>
-            </a:p>
-          </p:txBody>
-        </p:sp>
-        <p:sp>
-          <p:nvSpPr>
-            <p:cNvPr id="17" name="pl17"/>
-            <p:cNvSpPr/>
-            <p:nvPr/>
-          </p:nvSpPr>
-          <p:spPr>
-            <a:xfrm>
-              <a:off x="3331877" y="2054733"/>
-              <a:ext cx="0" cy="3270504"/>
-            </a:xfrm>
-            <a:custGeom>
-              <a:avLst/>
-              <a:gdLst/>
-              <a:ahLst/>
-              <a:cxnLst/>
-              <a:rect l="0" t="0" r="0" b="0"/>
-              <a:pathLst>
-                <a:path h="3270504">
-                  <a:moveTo>
-                    <a:pt x="0" y="3270504"/>
-                  </a:moveTo>
-                  <a:lnTo>
-                    <a:pt x="0" y="0"/>
-                  </a:lnTo>
-                </a:path>
-              </a:pathLst>
-            </a:custGeom>
-            <a:ln w="9525" cap="rnd">
-              <a:solidFill>
-                <a:srgbClr val="000000">
-                  <a:alpha val="100000"/>
-                </a:srgbClr>
-              </a:solidFill>
-              <a:prstDash val="solid"/>
-              <a:round/>
-            </a:ln>
-          </p:spPr>
-          <p:txBody>
-            <a:bodyPr/>
-            <a:lstStyle/>
-            <a:p>
-              <a:endParaRPr/>
-            </a:p>
-          </p:txBody>
-        </p:sp>
-        <p:sp>
-          <p:nvSpPr>
-            <p:cNvPr id="18" name="pl18"/>
-            <p:cNvSpPr/>
-            <p:nvPr/>
-          </p:nvSpPr>
-          <p:spPr>
-            <a:xfrm>
-              <a:off x="3240437" y="5325237"/>
-              <a:ext cx="91440" cy="0"/>
-            </a:xfrm>
-            <a:custGeom>
-              <a:avLst/>
-              <a:gdLst/>
-              <a:ahLst/>
-              <a:cxnLst/>
-              <a:rect l="0" t="0" r="0" b="0"/>
-              <a:pathLst>
-                <a:path w="91440">
-                  <a:moveTo>
-                    <a:pt x="91440" y="0"/>
-                  </a:moveTo>
-                  <a:lnTo>
-                    <a:pt x="0" y="0"/>
-                  </a:lnTo>
-                </a:path>
-              </a:pathLst>
-            </a:custGeom>
-            <a:ln w="9525" cap="rnd">
-              <a:solidFill>
-                <a:srgbClr val="000000">
-                  <a:alpha val="100000"/>
-                </a:srgbClr>
-              </a:solidFill>
-              <a:prstDash val="solid"/>
-              <a:round/>
-            </a:ln>
-          </p:spPr>
-          <p:txBody>
-            <a:bodyPr/>
-            <a:lstStyle/>
-            <a:p>
-              <a:endParaRPr/>
-            </a:p>
-          </p:txBody>
-        </p:sp>
-        <p:sp>
-          <p:nvSpPr>
-            <p:cNvPr id="19" name="pl19"/>
-            <p:cNvSpPr/>
-            <p:nvPr/>
-          </p:nvSpPr>
-          <p:spPr>
-            <a:xfrm>
-              <a:off x="3240437" y="4671136"/>
-              <a:ext cx="91440" cy="0"/>
-            </a:xfrm>
-            <a:custGeom>
-              <a:avLst/>
-              <a:gdLst/>
-              <a:ahLst/>
-              <a:cxnLst/>
-              <a:rect l="0" t="0" r="0" b="0"/>
-              <a:pathLst>
-                <a:path w="91440">
-                  <a:moveTo>
-                    <a:pt x="91440" y="0"/>
-                  </a:moveTo>
-                  <a:lnTo>
-                    <a:pt x="0" y="0"/>
-                  </a:lnTo>
-                </a:path>
-              </a:pathLst>
-            </a:custGeom>
-            <a:ln w="9525" cap="rnd">
-              <a:solidFill>
-                <a:srgbClr val="000000">
-                  <a:alpha val="100000"/>
-                </a:srgbClr>
-              </a:solidFill>
-              <a:prstDash val="solid"/>
-              <a:round/>
-            </a:ln>
-          </p:spPr>
-          <p:txBody>
-            <a:bodyPr/>
-            <a:lstStyle/>
-            <a:p>
-              <a:endParaRPr/>
-            </a:p>
-          </p:txBody>
-        </p:sp>
-        <p:sp>
-          <p:nvSpPr>
-            <p:cNvPr id="20" name="pl20"/>
-            <p:cNvSpPr/>
-            <p:nvPr/>
-          </p:nvSpPr>
-          <p:spPr>
-            <a:xfrm>
-              <a:off x="3240437" y="4017035"/>
-              <a:ext cx="91440" cy="0"/>
-            </a:xfrm>
-            <a:custGeom>
-              <a:avLst/>
-              <a:gdLst/>
-              <a:ahLst/>
-              <a:cxnLst/>
-              <a:rect l="0" t="0" r="0" b="0"/>
-              <a:pathLst>
-                <a:path w="91440">
-                  <a:moveTo>
-                    <a:pt x="91440" y="0"/>
-                  </a:moveTo>
-                  <a:lnTo>
-                    <a:pt x="0" y="0"/>
-                  </a:lnTo>
-                </a:path>
-              </a:pathLst>
-            </a:custGeom>
-            <a:ln w="9525" cap="rnd">
-              <a:solidFill>
-                <a:srgbClr val="000000">
-                  <a:alpha val="100000"/>
-                </a:srgbClr>
-              </a:solidFill>
-              <a:prstDash val="solid"/>
-              <a:round/>
-            </a:ln>
-          </p:spPr>
-          <p:txBody>
-            <a:bodyPr/>
-            <a:lstStyle/>
-            <a:p>
-              <a:endParaRPr/>
-            </a:p>
-          </p:txBody>
-        </p:sp>
-        <p:sp>
-          <p:nvSpPr>
-            <p:cNvPr id="21" name="pl21"/>
-            <p:cNvSpPr/>
-            <p:nvPr/>
-          </p:nvSpPr>
-          <p:spPr>
-            <a:xfrm>
-              <a:off x="3240437" y="3362934"/>
-              <a:ext cx="91440" cy="0"/>
-            </a:xfrm>
-            <a:custGeom>
-              <a:avLst/>
-              <a:gdLst/>
-              <a:ahLst/>
-              <a:cxnLst/>
-              <a:rect l="0" t="0" r="0" b="0"/>
-              <a:pathLst>
-                <a:path w="91440">
-                  <a:moveTo>
-                    <a:pt x="91440" y="0"/>
-                  </a:moveTo>
-                  <a:lnTo>
-                    <a:pt x="0" y="0"/>
-                  </a:lnTo>
-                </a:path>
-              </a:pathLst>
-            </a:custGeom>
-            <a:ln w="9525" cap="rnd">
-              <a:solidFill>
-                <a:srgbClr val="000000">
-                  <a:alpha val="100000"/>
-                </a:srgbClr>
-              </a:solidFill>
-              <a:prstDash val="solid"/>
-              <a:round/>
-            </a:ln>
-          </p:spPr>
-          <p:txBody>
-            <a:bodyPr/>
-            <a:lstStyle/>
-            <a:p>
-              <a:endParaRPr/>
-            </a:p>
-          </p:txBody>
-        </p:sp>
-        <p:sp>
-          <p:nvSpPr>
-            <p:cNvPr id="22" name="pl22"/>
-            <p:cNvSpPr/>
-            <p:nvPr/>
-          </p:nvSpPr>
-          <p:spPr>
-            <a:xfrm>
-              <a:off x="3240437" y="2708833"/>
-              <a:ext cx="91440" cy="0"/>
-            </a:xfrm>
-            <a:custGeom>
-              <a:avLst/>
-              <a:gdLst/>
-              <a:ahLst/>
-              <a:cxnLst/>
-              <a:rect l="0" t="0" r="0" b="0"/>
-              <a:pathLst>
-                <a:path w="91440">
-                  <a:moveTo>
-                    <a:pt x="91440" y="0"/>
-                  </a:moveTo>
-                  <a:lnTo>
-                    <a:pt x="0" y="0"/>
-                  </a:lnTo>
-                </a:path>
-              </a:pathLst>
-            </a:custGeom>
-            <a:ln w="9525" cap="rnd">
-              <a:solidFill>
-                <a:srgbClr val="000000">
-                  <a:alpha val="100000"/>
-                </a:srgbClr>
-              </a:solidFill>
-              <a:prstDash val="solid"/>
-              <a:round/>
-            </a:ln>
-          </p:spPr>
-          <p:txBody>
-            <a:bodyPr/>
-            <a:lstStyle/>
-            <a:p>
-              <a:endParaRPr/>
-            </a:p>
-          </p:txBody>
-        </p:sp>
-        <p:sp>
-          <p:nvSpPr>
-            <p:cNvPr id="23" name="pl23"/>
-            <p:cNvSpPr/>
-            <p:nvPr/>
-          </p:nvSpPr>
-          <p:spPr>
-            <a:xfrm>
-              <a:off x="3240437" y="2054733"/>
-              <a:ext cx="91440" cy="0"/>
-            </a:xfrm>
-            <a:custGeom>
-              <a:avLst/>
-              <a:gdLst/>
-              <a:ahLst/>
-              <a:cxnLst/>
-              <a:rect l="0" t="0" r="0" b="0"/>
-              <a:pathLst>
-                <a:path w="91440">
-                  <a:moveTo>
-                    <a:pt x="91440" y="0"/>
-                  </a:moveTo>
-                  <a:lnTo>
-                    <a:pt x="0" y="0"/>
-                  </a:lnTo>
-                </a:path>
-              </a:pathLst>
-            </a:custGeom>
-            <a:ln w="9525" cap="rnd">
-              <a:solidFill>
-                <a:srgbClr val="000000">
-                  <a:alpha val="100000"/>
-                </a:srgbClr>
-              </a:solidFill>
-              <a:prstDash val="solid"/>
-              <a:round/>
-            </a:ln>
-          </p:spPr>
-          <p:txBody>
-            <a:bodyPr/>
-            <a:lstStyle/>
-            <a:p>
-              <a:endParaRPr/>
-            </a:p>
-          </p:txBody>
-        </p:sp>
-        <p:sp>
-          <p:nvSpPr>
-            <p:cNvPr id="24" name="tx24"/>
-            <p:cNvSpPr/>
-            <p:nvPr/>
-          </p:nvSpPr>
-          <p:spPr>
-            <a:xfrm rot="-5400000">
-              <a:off x="2950793" y="5269538"/>
-              <a:ext cx="211856" cy="111397"/>
-            </a:xfrm>
-            <a:prstGeom prst="rect">
-              <a:avLst/>
-            </a:prstGeom>
-            <a:noFill/>
-          </p:spPr>
-          <p:txBody>
-            <a:bodyPr wrap="none" lIns="0" tIns="0" rIns="0" bIns="0" anchor="ctr" anchorCtr="1"/>
-            <a:lstStyle/>
-            <a:p>
-              <a:pPr marL="0" marR="0" indent="0" algn="l">
-                <a:lnSpc>
-                  <a:spcPts val="1200"/>
-                </a:lnSpc>
-                <a:spcBef>
-                  <a:spcPts val="0"/>
-                </a:spcBef>
-                <a:spcAft>
-                  <a:spcPts val="0"/>
-                </a:spcAft>
-              </a:pPr>
-              <a:r>
-                <a:rPr sz="1200">
-                  <a:solidFill>
-                    <a:srgbClr val="000000">
-                      <a:alpha val="100000"/>
-                    </a:srgbClr>
-                  </a:solidFill>
-                  <a:latin typeface="Arial"/>
-                  <a:cs typeface="Arial"/>
-                </a:rPr>
-                <a:t>0.0</a:t>
-              </a:r>
-            </a:p>
-          </p:txBody>
-        </p:sp>
-        <p:sp>
-          <p:nvSpPr>
-            <p:cNvPr id="25" name="tx25"/>
-            <p:cNvSpPr/>
-            <p:nvPr/>
-          </p:nvSpPr>
-          <p:spPr>
-            <a:xfrm rot="-5400000">
-              <a:off x="2950793" y="4615437"/>
-              <a:ext cx="211856" cy="111397"/>
-            </a:xfrm>
-            <a:prstGeom prst="rect">
-              <a:avLst/>
-            </a:prstGeom>
-            <a:noFill/>
-          </p:spPr>
-          <p:txBody>
-            <a:bodyPr wrap="none" lIns="0" tIns="0" rIns="0" bIns="0" anchor="ctr" anchorCtr="1"/>
-            <a:lstStyle/>
-            <a:p>
-              <a:pPr marL="0" marR="0" indent="0" algn="l">
-                <a:lnSpc>
-                  <a:spcPts val="1200"/>
-                </a:lnSpc>
-                <a:spcBef>
-                  <a:spcPts val="0"/>
-                </a:spcBef>
-                <a:spcAft>
-                  <a:spcPts val="0"/>
-                </a:spcAft>
-              </a:pPr>
-              <a:r>
-                <a:rPr sz="1200">
-                  <a:solidFill>
-                    <a:srgbClr val="000000">
-                      <a:alpha val="100000"/>
-                    </a:srgbClr>
-                  </a:solidFill>
-                  <a:latin typeface="Arial"/>
-                  <a:cs typeface="Arial"/>
-                </a:rPr>
-                <a:t>0.2</a:t>
-              </a:r>
-            </a:p>
-          </p:txBody>
-        </p:sp>
-        <p:sp>
-          <p:nvSpPr>
-            <p:cNvPr id="26" name="tx26"/>
-            <p:cNvSpPr/>
-            <p:nvPr/>
-          </p:nvSpPr>
-          <p:spPr>
-            <a:xfrm rot="-5400000">
-              <a:off x="2950793" y="3961336"/>
-              <a:ext cx="211856" cy="111397"/>
-            </a:xfrm>
-            <a:prstGeom prst="rect">
-              <a:avLst/>
-            </a:prstGeom>
-            <a:noFill/>
-          </p:spPr>
-          <p:txBody>
-            <a:bodyPr wrap="none" lIns="0" tIns="0" rIns="0" bIns="0" anchor="ctr" anchorCtr="1"/>
-            <a:lstStyle/>
-            <a:p>
-              <a:pPr marL="0" marR="0" indent="0" algn="l">
-                <a:lnSpc>
-                  <a:spcPts val="1200"/>
-                </a:lnSpc>
-                <a:spcBef>
-                  <a:spcPts val="0"/>
-                </a:spcBef>
-                <a:spcAft>
-                  <a:spcPts val="0"/>
-                </a:spcAft>
-              </a:pPr>
-              <a:r>
-                <a:rPr sz="1200">
-                  <a:solidFill>
-                    <a:srgbClr val="000000">
-                      <a:alpha val="100000"/>
-                    </a:srgbClr>
-                  </a:solidFill>
-                  <a:latin typeface="Arial"/>
-                  <a:cs typeface="Arial"/>
-                </a:rPr>
-                <a:t>0.4</a:t>
-              </a:r>
-            </a:p>
-          </p:txBody>
-        </p:sp>
-        <p:sp>
-          <p:nvSpPr>
-            <p:cNvPr id="27" name="tx27"/>
-            <p:cNvSpPr/>
-            <p:nvPr/>
-          </p:nvSpPr>
-          <p:spPr>
-            <a:xfrm rot="-5400000">
-              <a:off x="2950793" y="3307235"/>
-              <a:ext cx="211856" cy="111397"/>
-            </a:xfrm>
-            <a:prstGeom prst="rect">
-              <a:avLst/>
-            </a:prstGeom>
-            <a:noFill/>
-          </p:spPr>
-          <p:txBody>
-            <a:bodyPr wrap="none" lIns="0" tIns="0" rIns="0" bIns="0" anchor="ctr" anchorCtr="1"/>
-            <a:lstStyle/>
-            <a:p>
-              <a:pPr marL="0" marR="0" indent="0" algn="l">
-                <a:lnSpc>
-                  <a:spcPts val="1200"/>
-                </a:lnSpc>
-                <a:spcBef>
-                  <a:spcPts val="0"/>
-                </a:spcBef>
-                <a:spcAft>
-                  <a:spcPts val="0"/>
-                </a:spcAft>
-              </a:pPr>
-              <a:r>
-                <a:rPr sz="1200">
-                  <a:solidFill>
-                    <a:srgbClr val="000000">
-                      <a:alpha val="100000"/>
-                    </a:srgbClr>
-                  </a:solidFill>
-                  <a:latin typeface="Arial"/>
-                  <a:cs typeface="Arial"/>
-                </a:rPr>
-                <a:t>0.6</a:t>
-              </a:r>
-            </a:p>
-          </p:txBody>
-        </p:sp>
-        <p:sp>
-          <p:nvSpPr>
-            <p:cNvPr id="28" name="tx28"/>
-            <p:cNvSpPr/>
-            <p:nvPr/>
-          </p:nvSpPr>
-          <p:spPr>
-            <a:xfrm rot="-5400000">
-              <a:off x="2950793" y="2653134"/>
-              <a:ext cx="211856" cy="111397"/>
-            </a:xfrm>
-            <a:prstGeom prst="rect">
-              <a:avLst/>
-            </a:prstGeom>
-            <a:noFill/>
-          </p:spPr>
-          <p:txBody>
-            <a:bodyPr wrap="none" lIns="0" tIns="0" rIns="0" bIns="0" anchor="ctr" anchorCtr="1"/>
-            <a:lstStyle/>
-            <a:p>
-              <a:pPr marL="0" marR="0" indent="0" algn="l">
-                <a:lnSpc>
-                  <a:spcPts val="1200"/>
-                </a:lnSpc>
-                <a:spcBef>
-                  <a:spcPts val="0"/>
-                </a:spcBef>
-                <a:spcAft>
-                  <a:spcPts val="0"/>
-                </a:spcAft>
-              </a:pPr>
-              <a:r>
-                <a:rPr sz="1200">
-                  <a:solidFill>
-                    <a:srgbClr val="000000">
-                      <a:alpha val="100000"/>
-                    </a:srgbClr>
-                  </a:solidFill>
-                  <a:latin typeface="Arial"/>
-                  <a:cs typeface="Arial"/>
-                </a:rPr>
-                <a:t>0.8</a:t>
-              </a:r>
-            </a:p>
-          </p:txBody>
-        </p:sp>
-        <p:sp>
-          <p:nvSpPr>
-            <p:cNvPr id="29" name="tx29"/>
-            <p:cNvSpPr/>
-            <p:nvPr/>
-          </p:nvSpPr>
-          <p:spPr>
-            <a:xfrm rot="-5400000">
-              <a:off x="2950793" y="1999034"/>
-              <a:ext cx="211856" cy="111397"/>
-            </a:xfrm>
-            <a:prstGeom prst="rect">
-              <a:avLst/>
-            </a:prstGeom>
-            <a:noFill/>
-          </p:spPr>
-          <p:txBody>
-            <a:bodyPr wrap="none" lIns="0" tIns="0" rIns="0" bIns="0" anchor="ctr" anchorCtr="1"/>
-            <a:lstStyle/>
-            <a:p>
-              <a:pPr marL="0" marR="0" indent="0" algn="l">
-                <a:lnSpc>
-                  <a:spcPts val="1200"/>
-                </a:lnSpc>
-                <a:spcBef>
-                  <a:spcPts val="0"/>
-                </a:spcBef>
-                <a:spcAft>
-                  <a:spcPts val="0"/>
-                </a:spcAft>
-              </a:pPr>
-              <a:r>
-                <a:rPr sz="1200">
-                  <a:solidFill>
-                    <a:srgbClr val="000000">
-                      <a:alpha val="100000"/>
-                    </a:srgbClr>
-                  </a:solidFill>
-                  <a:latin typeface="Arial"/>
-                  <a:cs typeface="Arial"/>
-                </a:rPr>
-                <a:t>1.0</a:t>
-              </a:r>
-            </a:p>
-          </p:txBody>
-        </p:sp>
-        <p:sp>
-          <p:nvSpPr>
-            <p:cNvPr id="30" name="pl30"/>
-            <p:cNvSpPr/>
-            <p:nvPr/>
-          </p:nvSpPr>
-          <p:spPr>
-            <a:xfrm>
-              <a:off x="3331877" y="2054733"/>
-              <a:ext cx="3714368" cy="3270504"/>
-            </a:xfrm>
-            <a:custGeom>
-              <a:avLst/>
-              <a:gdLst/>
-              <a:ahLst/>
-              <a:cxnLst/>
-              <a:rect l="0" t="0" r="0" b="0"/>
-              <a:pathLst>
-                <a:path w="3714368" h="3270504">
-                  <a:moveTo>
-                    <a:pt x="0" y="3270504"/>
-                  </a:moveTo>
-                  <a:lnTo>
-                    <a:pt x="3714368" y="3270504"/>
-                  </a:lnTo>
-                  <a:lnTo>
-                    <a:pt x="3714368" y="0"/>
-                  </a:lnTo>
-                  <a:lnTo>
-                    <a:pt x="0" y="0"/>
-                  </a:lnTo>
-                  <a:lnTo>
-                    <a:pt x="0" y="3270504"/>
-                  </a:lnTo>
-                </a:path>
-              </a:pathLst>
-            </a:custGeom>
-            <a:ln w="9525" cap="rnd">
-              <a:solidFill>
-                <a:srgbClr val="000000">
-                  <a:alpha val="100000"/>
-                </a:srgbClr>
-              </a:solidFill>
-              <a:prstDash val="solid"/>
-              <a:round/>
-            </a:ln>
-          </p:spPr>
-          <p:txBody>
-            <a:bodyPr/>
-            <a:lstStyle/>
-            <a:p>
-              <a:endParaRPr/>
-            </a:p>
-          </p:txBody>
-        </p:sp>
-        <p:pic>
-          <p:nvPicPr>
-            <p:cNvPr id="31" name="pic31"/>
-            <p:cNvPicPr/>
-            <p:nvPr/>
-          </p:nvPicPr>
-          <p:blipFill>
-            <a:blip r:embed="rId2" cstate="print"/>
-            <a:stretch>
-              <a:fillRect/>
-            </a:stretch>
-          </p:blipFill>
-          <p:spPr>
-            <a:xfrm>
-              <a:off x="3553871" y="2054733"/>
-              <a:ext cx="3270379" cy="3270504"/>
-            </a:xfrm>
-            <a:prstGeom prst="rect">
-              <a:avLst/>
-            </a:prstGeom>
-          </p:spPr>
-        </p:pic>
-        <p:pic>
-          <p:nvPicPr>
-            <p:cNvPr id="32" name="pic32"/>
-            <p:cNvPicPr/>
-            <p:nvPr/>
-          </p:nvPicPr>
-          <p:blipFill>
-            <a:blip r:embed="rId3" cstate="print"/>
-            <a:stretch>
-              <a:fillRect/>
-            </a:stretch>
-          </p:blipFill>
-          <p:spPr>
-            <a:xfrm>
-              <a:off x="7334282" y="2872359"/>
-              <a:ext cx="82295" cy="1635252"/>
-            </a:xfrm>
-            <a:prstGeom prst="rect">
-              <a:avLst/>
-            </a:prstGeom>
-          </p:spPr>
-        </p:pic>
-        <p:sp>
-          <p:nvSpPr>
-            <p:cNvPr id="33" name="pl33"/>
-            <p:cNvSpPr/>
-            <p:nvPr/>
-          </p:nvSpPr>
-          <p:spPr>
-            <a:xfrm>
-              <a:off x="7416577" y="3001591"/>
-              <a:ext cx="0" cy="1344293"/>
-            </a:xfrm>
-            <a:custGeom>
-              <a:avLst/>
-              <a:gdLst/>
-              <a:ahLst/>
-              <a:cxnLst/>
-              <a:rect l="0" t="0" r="0" b="0"/>
-              <a:pathLst>
-                <a:path h="1344293">
-                  <a:moveTo>
-                    <a:pt x="0" y="1344293"/>
-                  </a:moveTo>
-                  <a:lnTo>
-                    <a:pt x="0" y="0"/>
-                  </a:lnTo>
-                </a:path>
-              </a:pathLst>
-            </a:custGeom>
-            <a:ln w="9525" cap="rnd">
-              <a:solidFill>
-                <a:srgbClr val="000000">
-                  <a:alpha val="100000"/>
-                </a:srgbClr>
-              </a:solidFill>
-              <a:prstDash val="solid"/>
-              <a:round/>
-            </a:ln>
-          </p:spPr>
-          <p:txBody>
-            <a:bodyPr/>
-            <a:lstStyle/>
-            <a:p>
-              <a:endParaRPr/>
-            </a:p>
-          </p:txBody>
-        </p:sp>
-        <p:sp>
-          <p:nvSpPr>
-            <p:cNvPr id="34" name="pl34"/>
-            <p:cNvSpPr/>
-            <p:nvPr/>
-          </p:nvSpPr>
-          <p:spPr>
-            <a:xfrm>
-              <a:off x="7416577" y="4345885"/>
-              <a:ext cx="91440" cy="0"/>
-            </a:xfrm>
-            <a:custGeom>
-              <a:avLst/>
-              <a:gdLst/>
-              <a:ahLst/>
-              <a:cxnLst/>
-              <a:rect l="0" t="0" r="0" b="0"/>
-              <a:pathLst>
-                <a:path w="91440">
-                  <a:moveTo>
-                    <a:pt x="0" y="0"/>
-                  </a:moveTo>
-                  <a:lnTo>
-                    <a:pt x="91440" y="0"/>
-                  </a:lnTo>
-                </a:path>
-              </a:pathLst>
-            </a:custGeom>
-            <a:ln w="9525" cap="rnd">
-              <a:solidFill>
-                <a:srgbClr val="000000">
-                  <a:alpha val="100000"/>
-                </a:srgbClr>
-              </a:solidFill>
-              <a:prstDash val="solid"/>
-              <a:round/>
-            </a:ln>
-          </p:spPr>
-          <p:txBody>
-            <a:bodyPr/>
-            <a:lstStyle/>
-            <a:p>
-              <a:endParaRPr/>
-            </a:p>
-          </p:txBody>
-        </p:sp>
-        <p:sp>
-          <p:nvSpPr>
-            <p:cNvPr id="35" name="pl35"/>
-            <p:cNvSpPr/>
-            <p:nvPr/>
-          </p:nvSpPr>
-          <p:spPr>
-            <a:xfrm>
-              <a:off x="7416577" y="4121836"/>
-              <a:ext cx="91440" cy="0"/>
-            </a:xfrm>
-            <a:custGeom>
-              <a:avLst/>
-              <a:gdLst/>
-              <a:ahLst/>
-              <a:cxnLst/>
-              <a:rect l="0" t="0" r="0" b="0"/>
-              <a:pathLst>
-                <a:path w="91440">
-                  <a:moveTo>
-                    <a:pt x="0" y="0"/>
-                  </a:moveTo>
-                  <a:lnTo>
-                    <a:pt x="91440" y="0"/>
-                  </a:lnTo>
-                </a:path>
-              </a:pathLst>
-            </a:custGeom>
-            <a:ln w="9525" cap="rnd">
-              <a:solidFill>
-                <a:srgbClr val="000000">
-                  <a:alpha val="100000"/>
-                </a:srgbClr>
-              </a:solidFill>
-              <a:prstDash val="solid"/>
-              <a:round/>
-            </a:ln>
-          </p:spPr>
-          <p:txBody>
-            <a:bodyPr/>
-            <a:lstStyle/>
-            <a:p>
-              <a:endParaRPr/>
-            </a:p>
-          </p:txBody>
-        </p:sp>
-        <p:sp>
-          <p:nvSpPr>
-            <p:cNvPr id="36" name="pl36"/>
-            <p:cNvSpPr/>
-            <p:nvPr/>
-          </p:nvSpPr>
-          <p:spPr>
-            <a:xfrm>
-              <a:off x="7416577" y="3897787"/>
-              <a:ext cx="91440" cy="0"/>
-            </a:xfrm>
-            <a:custGeom>
-              <a:avLst/>
-              <a:gdLst/>
-              <a:ahLst/>
-              <a:cxnLst/>
-              <a:rect l="0" t="0" r="0" b="0"/>
-              <a:pathLst>
-                <a:path w="91440">
-                  <a:moveTo>
-                    <a:pt x="0" y="0"/>
-                  </a:moveTo>
-                  <a:lnTo>
-                    <a:pt x="91440" y="0"/>
-                  </a:lnTo>
-                </a:path>
-              </a:pathLst>
-            </a:custGeom>
-            <a:ln w="9525" cap="rnd">
-              <a:solidFill>
-                <a:srgbClr val="000000">
-                  <a:alpha val="100000"/>
-                </a:srgbClr>
-              </a:solidFill>
-              <a:prstDash val="solid"/>
-              <a:round/>
-            </a:ln>
-          </p:spPr>
-          <p:txBody>
-            <a:bodyPr/>
-            <a:lstStyle/>
-            <a:p>
-              <a:endParaRPr/>
-            </a:p>
-          </p:txBody>
-        </p:sp>
-        <p:sp>
-          <p:nvSpPr>
-            <p:cNvPr id="37" name="pl37"/>
-            <p:cNvSpPr/>
-            <p:nvPr/>
-          </p:nvSpPr>
-          <p:spPr>
-            <a:xfrm>
-              <a:off x="7416577" y="3673738"/>
-              <a:ext cx="91440" cy="0"/>
-            </a:xfrm>
-            <a:custGeom>
-              <a:avLst/>
-              <a:gdLst/>
-              <a:ahLst/>
-              <a:cxnLst/>
-              <a:rect l="0" t="0" r="0" b="0"/>
-              <a:pathLst>
-                <a:path w="91440">
-                  <a:moveTo>
-                    <a:pt x="0" y="0"/>
-                  </a:moveTo>
-                  <a:lnTo>
-                    <a:pt x="91440" y="0"/>
-                  </a:lnTo>
-                </a:path>
-              </a:pathLst>
-            </a:custGeom>
-            <a:ln w="9525" cap="rnd">
-              <a:solidFill>
-                <a:srgbClr val="000000">
-                  <a:alpha val="100000"/>
-                </a:srgbClr>
-              </a:solidFill>
-              <a:prstDash val="solid"/>
-              <a:round/>
-            </a:ln>
-          </p:spPr>
-          <p:txBody>
-            <a:bodyPr/>
-            <a:lstStyle/>
-            <a:p>
-              <a:endParaRPr/>
-            </a:p>
-          </p:txBody>
-        </p:sp>
-        <p:sp>
-          <p:nvSpPr>
-            <p:cNvPr id="38" name="pl38"/>
-            <p:cNvSpPr/>
-            <p:nvPr/>
-          </p:nvSpPr>
-          <p:spPr>
-            <a:xfrm>
-              <a:off x="7416577" y="3449689"/>
-              <a:ext cx="91440" cy="0"/>
-            </a:xfrm>
-            <a:custGeom>
-              <a:avLst/>
-              <a:gdLst/>
-              <a:ahLst/>
-              <a:cxnLst/>
-              <a:rect l="0" t="0" r="0" b="0"/>
-              <a:pathLst>
-                <a:path w="91440">
-                  <a:moveTo>
-                    <a:pt x="0" y="0"/>
-                  </a:moveTo>
-                  <a:lnTo>
-                    <a:pt x="91440" y="0"/>
-                  </a:lnTo>
-                </a:path>
-              </a:pathLst>
-            </a:custGeom>
-            <a:ln w="9525" cap="rnd">
-              <a:solidFill>
-                <a:srgbClr val="000000">
-                  <a:alpha val="100000"/>
-                </a:srgbClr>
-              </a:solidFill>
-              <a:prstDash val="solid"/>
-              <a:round/>
-            </a:ln>
-          </p:spPr>
-          <p:txBody>
-            <a:bodyPr/>
-            <a:lstStyle/>
-            <a:p>
-              <a:endParaRPr/>
-            </a:p>
-          </p:txBody>
-        </p:sp>
-        <p:sp>
-          <p:nvSpPr>
-            <p:cNvPr id="39" name="pl39"/>
-            <p:cNvSpPr/>
-            <p:nvPr/>
-          </p:nvSpPr>
-          <p:spPr>
-            <a:xfrm>
-              <a:off x="7416577" y="3225640"/>
-              <a:ext cx="91440" cy="0"/>
-            </a:xfrm>
-            <a:custGeom>
-              <a:avLst/>
-              <a:gdLst/>
-              <a:ahLst/>
-              <a:cxnLst/>
-              <a:rect l="0" t="0" r="0" b="0"/>
-              <a:pathLst>
-                <a:path w="91440">
-                  <a:moveTo>
-                    <a:pt x="0" y="0"/>
-                  </a:moveTo>
-                  <a:lnTo>
-                    <a:pt x="91440" y="0"/>
-                  </a:lnTo>
-                </a:path>
-              </a:pathLst>
-            </a:custGeom>
-            <a:ln w="9525" cap="rnd">
-              <a:solidFill>
-                <a:srgbClr val="000000">
-                  <a:alpha val="100000"/>
-                </a:srgbClr>
-              </a:solidFill>
-              <a:prstDash val="solid"/>
-              <a:round/>
-            </a:ln>
-          </p:spPr>
-          <p:txBody>
-            <a:bodyPr/>
-            <a:lstStyle/>
-            <a:p>
-              <a:endParaRPr/>
-            </a:p>
-          </p:txBody>
-        </p:sp>
-        <p:sp>
-          <p:nvSpPr>
-            <p:cNvPr id="40" name="pl40"/>
-            <p:cNvSpPr/>
-            <p:nvPr/>
-          </p:nvSpPr>
-          <p:spPr>
-            <a:xfrm>
-              <a:off x="7416577" y="3001591"/>
-              <a:ext cx="91440" cy="0"/>
-            </a:xfrm>
-            <a:custGeom>
-              <a:avLst/>
-              <a:gdLst/>
-              <a:ahLst/>
-              <a:cxnLst/>
-              <a:rect l="0" t="0" r="0" b="0"/>
-              <a:pathLst>
-                <a:path w="91440">
-                  <a:moveTo>
-                    <a:pt x="0" y="0"/>
-                  </a:moveTo>
-                  <a:lnTo>
-                    <a:pt x="91440" y="0"/>
-                  </a:lnTo>
-                </a:path>
-              </a:pathLst>
-            </a:custGeom>
-            <a:ln w="9525" cap="rnd">
-              <a:solidFill>
-                <a:srgbClr val="000000">
-                  <a:alpha val="100000"/>
-                </a:srgbClr>
-              </a:solidFill>
-              <a:prstDash val="solid"/>
-              <a:round/>
-            </a:ln>
-          </p:spPr>
-          <p:txBody>
-            <a:bodyPr/>
-            <a:lstStyle/>
-            <a:p>
-              <a:endParaRPr/>
-            </a:p>
-          </p:txBody>
-        </p:sp>
-        <p:sp>
-          <p:nvSpPr>
-            <p:cNvPr id="41" name="tx41"/>
-            <p:cNvSpPr/>
-            <p:nvPr/>
-          </p:nvSpPr>
-          <p:spPr>
-            <a:xfrm>
-              <a:off x="7599458" y="4289032"/>
-              <a:ext cx="347364" cy="111397"/>
-            </a:xfrm>
-            <a:prstGeom prst="rect">
-              <a:avLst/>
-            </a:prstGeom>
-            <a:noFill/>
-          </p:spPr>
-          <p:txBody>
-            <a:bodyPr wrap="none" lIns="0" tIns="0" rIns="0" bIns="0" anchor="ctr" anchorCtr="1"/>
-            <a:lstStyle/>
-            <a:p>
-              <a:pPr marL="0" marR="0" indent="0" algn="l">
-                <a:lnSpc>
-                  <a:spcPts val="1200"/>
-                </a:lnSpc>
-                <a:spcBef>
-                  <a:spcPts val="0"/>
-                </a:spcBef>
-                <a:spcAft>
-                  <a:spcPts val="0"/>
-                </a:spcAft>
-              </a:pPr>
-              <a:r>
-                <a:rPr sz="1200">
-                  <a:solidFill>
-                    <a:srgbClr val="000000">
-                      <a:alpha val="100000"/>
-                    </a:srgbClr>
-                  </a:solidFill>
-                  <a:latin typeface="Arial"/>
-                  <a:cs typeface="Arial"/>
-                </a:rPr>
-                <a:t>-0.05</a:t>
-              </a:r>
-            </a:p>
-          </p:txBody>
-        </p:sp>
-        <p:sp>
-          <p:nvSpPr>
-            <p:cNvPr id="42" name="tx42"/>
-            <p:cNvSpPr/>
-            <p:nvPr/>
-          </p:nvSpPr>
-          <p:spPr>
-            <a:xfrm>
-              <a:off x="7599458" y="4064983"/>
-              <a:ext cx="296614" cy="111397"/>
-            </a:xfrm>
-            <a:prstGeom prst="rect">
-              <a:avLst/>
-            </a:prstGeom>
-            <a:noFill/>
-          </p:spPr>
-          <p:txBody>
-            <a:bodyPr wrap="none" lIns="0" tIns="0" rIns="0" bIns="0" anchor="ctr" anchorCtr="1"/>
-            <a:lstStyle/>
-            <a:p>
-              <a:pPr marL="0" marR="0" indent="0" algn="l">
-                <a:lnSpc>
-                  <a:spcPts val="1200"/>
-                </a:lnSpc>
-                <a:spcBef>
-                  <a:spcPts val="0"/>
-                </a:spcBef>
-                <a:spcAft>
-                  <a:spcPts val="0"/>
-                </a:spcAft>
-              </a:pPr>
-              <a:r>
-                <a:rPr sz="1200">
-                  <a:solidFill>
-                    <a:srgbClr val="000000">
-                      <a:alpha val="100000"/>
-                    </a:srgbClr>
-                  </a:solidFill>
-                  <a:latin typeface="Arial"/>
-                  <a:cs typeface="Arial"/>
-                </a:rPr>
-                <a:t>0.00</a:t>
-              </a:r>
-            </a:p>
-          </p:txBody>
-        </p:sp>
-        <p:sp>
-          <p:nvSpPr>
-            <p:cNvPr id="43" name="tx43"/>
-            <p:cNvSpPr/>
-            <p:nvPr/>
-          </p:nvSpPr>
-          <p:spPr>
-            <a:xfrm>
-              <a:off x="7599458" y="3840934"/>
-              <a:ext cx="296614" cy="111397"/>
-            </a:xfrm>
-            <a:prstGeom prst="rect">
-              <a:avLst/>
-            </a:prstGeom>
-            <a:noFill/>
-          </p:spPr>
-          <p:txBody>
-            <a:bodyPr wrap="none" lIns="0" tIns="0" rIns="0" bIns="0" anchor="ctr" anchorCtr="1"/>
-            <a:lstStyle/>
-            <a:p>
-              <a:pPr marL="0" marR="0" indent="0" algn="l">
-                <a:lnSpc>
-                  <a:spcPts val="1200"/>
-                </a:lnSpc>
-                <a:spcBef>
-                  <a:spcPts val="0"/>
-                </a:spcBef>
-                <a:spcAft>
-                  <a:spcPts val="0"/>
-                </a:spcAft>
-              </a:pPr>
-              <a:r>
-                <a:rPr sz="1200">
-                  <a:solidFill>
-                    <a:srgbClr val="000000">
-                      <a:alpha val="100000"/>
-                    </a:srgbClr>
-                  </a:solidFill>
-                  <a:latin typeface="Arial"/>
-                  <a:cs typeface="Arial"/>
-                </a:rPr>
-                <a:t>0.05</a:t>
-              </a:r>
-            </a:p>
-          </p:txBody>
-        </p:sp>
-        <p:sp>
-          <p:nvSpPr>
-            <p:cNvPr id="44" name="tx44"/>
-            <p:cNvSpPr/>
-            <p:nvPr/>
-          </p:nvSpPr>
-          <p:spPr>
-            <a:xfrm>
-              <a:off x="7599458" y="3616885"/>
-              <a:ext cx="296614" cy="111397"/>
-            </a:xfrm>
-            <a:prstGeom prst="rect">
-              <a:avLst/>
-            </a:prstGeom>
-            <a:noFill/>
-          </p:spPr>
-          <p:txBody>
-            <a:bodyPr wrap="none" lIns="0" tIns="0" rIns="0" bIns="0" anchor="ctr" anchorCtr="1"/>
-            <a:lstStyle/>
-            <a:p>
-              <a:pPr marL="0" marR="0" indent="0" algn="l">
-                <a:lnSpc>
-                  <a:spcPts val="1200"/>
-                </a:lnSpc>
-                <a:spcBef>
-                  <a:spcPts val="0"/>
-                </a:spcBef>
-                <a:spcAft>
-                  <a:spcPts val="0"/>
-                </a:spcAft>
-              </a:pPr>
-              <a:r>
-                <a:rPr sz="1200">
-                  <a:solidFill>
-                    <a:srgbClr val="000000">
-                      <a:alpha val="100000"/>
-                    </a:srgbClr>
-                  </a:solidFill>
-                  <a:latin typeface="Arial"/>
-                  <a:cs typeface="Arial"/>
-                </a:rPr>
-                <a:t>0.10</a:t>
-              </a:r>
-            </a:p>
-          </p:txBody>
-        </p:sp>
-        <p:sp>
-          <p:nvSpPr>
-            <p:cNvPr id="45" name="tx45"/>
-            <p:cNvSpPr/>
-            <p:nvPr/>
-          </p:nvSpPr>
-          <p:spPr>
-            <a:xfrm>
-              <a:off x="7599458" y="3392837"/>
-              <a:ext cx="296614" cy="111397"/>
-            </a:xfrm>
-            <a:prstGeom prst="rect">
-              <a:avLst/>
-            </a:prstGeom>
-            <a:noFill/>
-          </p:spPr>
-          <p:txBody>
-            <a:bodyPr wrap="none" lIns="0" tIns="0" rIns="0" bIns="0" anchor="ctr" anchorCtr="1"/>
-            <a:lstStyle/>
-            <a:p>
-              <a:pPr marL="0" marR="0" indent="0" algn="l">
-                <a:lnSpc>
-                  <a:spcPts val="1200"/>
-                </a:lnSpc>
-                <a:spcBef>
-                  <a:spcPts val="0"/>
-                </a:spcBef>
-                <a:spcAft>
-                  <a:spcPts val="0"/>
-                </a:spcAft>
-              </a:pPr>
-              <a:r>
-                <a:rPr sz="1200">
-                  <a:solidFill>
-                    <a:srgbClr val="000000">
-                      <a:alpha val="100000"/>
-                    </a:srgbClr>
-                  </a:solidFill>
-                  <a:latin typeface="Arial"/>
-                  <a:cs typeface="Arial"/>
-                </a:rPr>
-                <a:t>0.15</a:t>
-              </a:r>
-            </a:p>
-          </p:txBody>
-        </p:sp>
-        <p:sp>
-          <p:nvSpPr>
-            <p:cNvPr id="46" name="tx46"/>
-            <p:cNvSpPr/>
-            <p:nvPr/>
-          </p:nvSpPr>
-          <p:spPr>
-            <a:xfrm>
-              <a:off x="7599458" y="3168788"/>
-              <a:ext cx="296614" cy="111397"/>
-            </a:xfrm>
-            <a:prstGeom prst="rect">
-              <a:avLst/>
-            </a:prstGeom>
-            <a:noFill/>
-          </p:spPr>
-          <p:txBody>
-            <a:bodyPr wrap="none" lIns="0" tIns="0" rIns="0" bIns="0" anchor="ctr" anchorCtr="1"/>
-            <a:lstStyle/>
-            <a:p>
-              <a:pPr marL="0" marR="0" indent="0" algn="l">
-                <a:lnSpc>
-                  <a:spcPts val="1200"/>
-                </a:lnSpc>
-                <a:spcBef>
-                  <a:spcPts val="0"/>
-                </a:spcBef>
-                <a:spcAft>
-                  <a:spcPts val="0"/>
-                </a:spcAft>
-              </a:pPr>
-              <a:r>
-                <a:rPr sz="1200">
-                  <a:solidFill>
-                    <a:srgbClr val="000000">
-                      <a:alpha val="100000"/>
-                    </a:srgbClr>
-                  </a:solidFill>
-                  <a:latin typeface="Arial"/>
-                  <a:cs typeface="Arial"/>
-                </a:rPr>
-                <a:t>0.20</a:t>
-              </a:r>
-            </a:p>
-          </p:txBody>
-        </p:sp>
-        <p:sp>
-          <p:nvSpPr>
-            <p:cNvPr id="47" name="tx47"/>
-            <p:cNvSpPr/>
-            <p:nvPr/>
-          </p:nvSpPr>
-          <p:spPr>
-            <a:xfrm>
-              <a:off x="7599458" y="2944739"/>
-              <a:ext cx="296614" cy="111397"/>
-            </a:xfrm>
-            <a:prstGeom prst="rect">
-              <a:avLst/>
-            </a:prstGeom>
-            <a:noFill/>
-          </p:spPr>
-          <p:txBody>
-            <a:bodyPr wrap="none" lIns="0" tIns="0" rIns="0" bIns="0" anchor="ctr" anchorCtr="1"/>
-            <a:lstStyle/>
-            <a:p>
-              <a:pPr marL="0" marR="0" indent="0" algn="l">
-                <a:lnSpc>
-                  <a:spcPts val="1200"/>
-                </a:lnSpc>
-                <a:spcBef>
-                  <a:spcPts val="0"/>
-                </a:spcBef>
-                <a:spcAft>
-                  <a:spcPts val="0"/>
-                </a:spcAft>
-              </a:pPr>
-              <a:r>
-                <a:rPr sz="1200">
-                  <a:solidFill>
-                    <a:srgbClr val="000000">
-                      <a:alpha val="100000"/>
-                    </a:srgbClr>
-                  </a:solidFill>
-                  <a:latin typeface="Arial"/>
-                  <a:cs typeface="Arial"/>
-                </a:rPr>
-                <a:t>0.25</a:t>
-              </a:r>
-            </a:p>
-          </p:txBody>
-        </p:sp>
-        <p:sp>
-          <p:nvSpPr>
-            <p:cNvPr id="48" name="pl48"/>
-            <p:cNvSpPr/>
-            <p:nvPr/>
-          </p:nvSpPr>
-          <p:spPr>
-            <a:xfrm>
-              <a:off x="7334282" y="2872359"/>
-              <a:ext cx="82295" cy="1635252"/>
-            </a:xfrm>
-            <a:custGeom>
-              <a:avLst/>
-              <a:gdLst/>
-              <a:ahLst/>
-              <a:cxnLst/>
-              <a:rect l="0" t="0" r="0" b="0"/>
-              <a:pathLst>
-                <a:path w="82295" h="1635252">
-                  <a:moveTo>
-                    <a:pt x="0" y="1635252"/>
-                  </a:moveTo>
-                  <a:lnTo>
-                    <a:pt x="82295" y="1635252"/>
-                  </a:lnTo>
-                  <a:lnTo>
-                    <a:pt x="82295" y="0"/>
-                  </a:lnTo>
-                  <a:lnTo>
-                    <a:pt x="0" y="0"/>
-                  </a:lnTo>
-                  <a:lnTo>
-                    <a:pt x="0" y="1635252"/>
-                  </a:lnTo>
-                </a:path>
-              </a:pathLst>
-            </a:custGeom>
-            <a:ln w="9525" cap="rnd">
-              <a:solidFill>
-                <a:srgbClr val="000000">
-                  <a:alpha val="100000"/>
-                </a:srgbClr>
-              </a:solidFill>
-              <a:prstDash val="solid"/>
-              <a:round/>
-            </a:ln>
-          </p:spPr>
-          <p:txBody>
-            <a:bodyPr/>
-            <a:lstStyle/>
-            <a:p>
-              <a:endParaRPr/>
-            </a:p>
-          </p:txBody>
-        </p:sp>
-        <p:sp>
-          <p:nvSpPr>
-            <p:cNvPr id="49" name="pl49"/>
-            <p:cNvSpPr/>
-            <p:nvPr/>
-          </p:nvSpPr>
-          <p:spPr>
-            <a:xfrm>
-              <a:off x="3331877" y="2054733"/>
-              <a:ext cx="3714368" cy="3270504"/>
-            </a:xfrm>
-            <a:custGeom>
-              <a:avLst/>
-              <a:gdLst/>
-              <a:ahLst/>
-              <a:cxnLst/>
-              <a:rect l="0" t="0" r="0" b="0"/>
-              <a:pathLst>
-                <a:path w="3714368" h="3270504">
-                  <a:moveTo>
-                    <a:pt x="0" y="3270504"/>
-                  </a:moveTo>
-                  <a:lnTo>
-                    <a:pt x="3714368" y="3270504"/>
-                  </a:lnTo>
-                  <a:lnTo>
-                    <a:pt x="3714368" y="0"/>
-                  </a:lnTo>
-                  <a:lnTo>
-                    <a:pt x="0" y="0"/>
-                  </a:lnTo>
-                  <a:lnTo>
-                    <a:pt x="0" y="3270504"/>
-                  </a:lnTo>
-                </a:path>
-              </a:pathLst>
-            </a:custGeom>
-            <a:ln w="9525" cap="rnd">
-              <a:solidFill>
-                <a:srgbClr val="000000">
-                  <a:alpha val="100000"/>
-                </a:srgbClr>
-              </a:solidFill>
-              <a:prstDash val="solid"/>
-              <a:round/>
-            </a:ln>
-          </p:spPr>
-          <p:txBody>
-            <a:bodyPr/>
-            <a:lstStyle/>
-            <a:p>
-              <a:endParaRPr/>
-            </a:p>
-          </p:txBody>
-        </p:sp>
-      </p:grpSp>
-    </p:spTree>
-    <p:extLst>
-      <p:ext uri="{BB962C8B-B14F-4D97-AF65-F5344CB8AC3E}">
-        <p14:creationId xmlns:p14="http://schemas.microsoft.com/office/powerpoint/2010/main" val="555657335"/>
-      </p:ext>
-    </p:extLst>
-  </p:cSld>
-  <p:clrMapOvr>
-    <a:masterClrMapping/>
-  </p:clrMapOvr>
-</p:sld>
-</file>
-
-<file path=ppt/slides/slide3.xml><?xml version="1.0" encoding="utf-8"?>
-<p:sld xmlns:a="http://schemas.openxmlformats.org/drawingml/2006/main" xmlns:r="http://schemas.openxmlformats.org/officeDocument/2006/relationships" xmlns:p="http://schemas.openxmlformats.org/presentationml/2006/main">
-  <p:cSld>
-    <p:spTree>
-      <p:nvGrpSpPr>
-        <p:cNvPr id="1" name=""/>
-        <p:cNvGrpSpPr/>
-        <p:nvPr/>
-      </p:nvGrpSpPr>
-      <p:grpSpPr>
-        <a:xfrm>
-          <a:off x="0" y="0"/>
-          <a:ext cx="0" cy="0"/>
-          <a:chOff x="0" y="0"/>
-          <a:chExt cx="0" cy="0"/>
-        </a:xfrm>
-      </p:grpSpPr>
-      <p:grpSp>
-        <p:nvGrpSpPr>
-          <p:cNvPr id="2" name="grp1"/>
-          <p:cNvGrpSpPr/>
-          <p:nvPr/>
-        </p:nvGrpSpPr>
-        <p:grpSpPr>
-          <a:xfrm>
-            <a:off x="2582069" y="1304925"/>
-            <a:ext cx="5534024" cy="4952999"/>
-            <a:chOff x="2582069" y="1304925"/>
-            <a:chExt cx="5534024" cy="4952999"/>
-          </a:xfrm>
-        </p:grpSpPr>
-        <p:sp>
-          <p:nvSpPr>
-            <p:cNvPr id="3" name="rc3"/>
-            <p:cNvSpPr/>
-            <p:nvPr/>
-          </p:nvSpPr>
-          <p:spPr>
-            <a:xfrm>
-              <a:off x="2582069" y="1304925"/>
-              <a:ext cx="5534024" cy="4952999"/>
-            </a:xfrm>
-            <a:prstGeom prst="rect">
-              <a:avLst/>
-            </a:prstGeom>
-            <a:solidFill>
-              <a:srgbClr val="FFFFFF">
-                <a:alpha val="100000"/>
-              </a:srgbClr>
-            </a:solidFill>
-            <a:ln w="9525" cap="rnd">
-              <a:solidFill>
-                <a:srgbClr val="FFFFFF">
-                  <a:alpha val="100000"/>
-                </a:srgbClr>
-              </a:solidFill>
-              <a:prstDash val="solid"/>
-              <a:round/>
-            </a:ln>
-          </p:spPr>
-          <p:txBody>
-            <a:bodyPr/>
-            <a:lstStyle/>
-            <a:p>
-              <a:endParaRPr/>
-            </a:p>
-          </p:txBody>
-        </p:sp>
-        <p:sp>
-          <p:nvSpPr>
-            <p:cNvPr id="4" name="pl4"/>
-            <p:cNvSpPr/>
-            <p:nvPr/>
-          </p:nvSpPr>
-          <p:spPr>
-            <a:xfrm>
-              <a:off x="3553871" y="5325237"/>
-              <a:ext cx="3270379" cy="0"/>
-            </a:xfrm>
-            <a:custGeom>
-              <a:avLst/>
-              <a:gdLst/>
-              <a:ahLst/>
-              <a:cxnLst/>
-              <a:rect l="0" t="0" r="0" b="0"/>
-              <a:pathLst>
-                <a:path w="3270379">
-                  <a:moveTo>
-                    <a:pt x="0" y="0"/>
-                  </a:moveTo>
-                  <a:lnTo>
-                    <a:pt x="3270379" y="0"/>
-                  </a:lnTo>
-                </a:path>
-              </a:pathLst>
-            </a:custGeom>
-            <a:ln w="9525" cap="rnd">
-              <a:solidFill>
-                <a:srgbClr val="000000">
-                  <a:alpha val="100000"/>
-                </a:srgbClr>
-              </a:solidFill>
-              <a:prstDash val="solid"/>
-              <a:round/>
-            </a:ln>
-          </p:spPr>
-          <p:txBody>
-            <a:bodyPr/>
-            <a:lstStyle/>
-            <a:p>
-              <a:endParaRPr/>
-            </a:p>
-          </p:txBody>
-        </p:sp>
-        <p:sp>
-          <p:nvSpPr>
-            <p:cNvPr id="5" name="pl5"/>
-            <p:cNvSpPr/>
-            <p:nvPr/>
-          </p:nvSpPr>
-          <p:spPr>
-            <a:xfrm>
-              <a:off x="3553871" y="5325237"/>
-              <a:ext cx="0" cy="91439"/>
-            </a:xfrm>
-            <a:custGeom>
-              <a:avLst/>
-              <a:gdLst/>
-              <a:ahLst/>
-              <a:cxnLst/>
-              <a:rect l="0" t="0" r="0" b="0"/>
-              <a:pathLst>
-                <a:path h="91439">
-                  <a:moveTo>
-                    <a:pt x="0" y="0"/>
-                  </a:moveTo>
-                  <a:lnTo>
-                    <a:pt x="0" y="91439"/>
-                  </a:lnTo>
-                </a:path>
-              </a:pathLst>
-            </a:custGeom>
-            <a:ln w="9525" cap="rnd">
-              <a:solidFill>
-                <a:srgbClr val="000000">
-                  <a:alpha val="100000"/>
-                </a:srgbClr>
-              </a:solidFill>
-              <a:prstDash val="solid"/>
-              <a:round/>
-            </a:ln>
-          </p:spPr>
-          <p:txBody>
-            <a:bodyPr/>
-            <a:lstStyle/>
-            <a:p>
-              <a:endParaRPr/>
-            </a:p>
-          </p:txBody>
-        </p:sp>
-        <p:sp>
-          <p:nvSpPr>
-            <p:cNvPr id="6" name="pl6"/>
-            <p:cNvSpPr/>
-            <p:nvPr/>
-          </p:nvSpPr>
-          <p:spPr>
-            <a:xfrm>
-              <a:off x="4207947" y="5325237"/>
-              <a:ext cx="0" cy="91439"/>
-            </a:xfrm>
-            <a:custGeom>
-              <a:avLst/>
-              <a:gdLst/>
-              <a:ahLst/>
-              <a:cxnLst/>
-              <a:rect l="0" t="0" r="0" b="0"/>
-              <a:pathLst>
-                <a:path h="91439">
-                  <a:moveTo>
-                    <a:pt x="0" y="0"/>
-                  </a:moveTo>
-                  <a:lnTo>
-                    <a:pt x="0" y="91439"/>
-                  </a:lnTo>
-                </a:path>
-              </a:pathLst>
-            </a:custGeom>
-            <a:ln w="9525" cap="rnd">
-              <a:solidFill>
-                <a:srgbClr val="000000">
-                  <a:alpha val="100000"/>
-                </a:srgbClr>
-              </a:solidFill>
-              <a:prstDash val="solid"/>
-              <a:round/>
-            </a:ln>
-          </p:spPr>
-          <p:txBody>
-            <a:bodyPr/>
-            <a:lstStyle/>
-            <a:p>
-              <a:endParaRPr/>
-            </a:p>
-          </p:txBody>
-        </p:sp>
-        <p:sp>
-          <p:nvSpPr>
-            <p:cNvPr id="7" name="pl7"/>
-            <p:cNvSpPr/>
-            <p:nvPr/>
-          </p:nvSpPr>
-          <p:spPr>
-            <a:xfrm>
-              <a:off x="4862023" y="5325237"/>
-              <a:ext cx="0" cy="91439"/>
-            </a:xfrm>
-            <a:custGeom>
-              <a:avLst/>
-              <a:gdLst/>
-              <a:ahLst/>
-              <a:cxnLst/>
-              <a:rect l="0" t="0" r="0" b="0"/>
-              <a:pathLst>
-                <a:path h="91439">
-                  <a:moveTo>
-                    <a:pt x="0" y="0"/>
-                  </a:moveTo>
-                  <a:lnTo>
-                    <a:pt x="0" y="91439"/>
-                  </a:lnTo>
-                </a:path>
-              </a:pathLst>
-            </a:custGeom>
-            <a:ln w="9525" cap="rnd">
-              <a:solidFill>
-                <a:srgbClr val="000000">
-                  <a:alpha val="100000"/>
-                </a:srgbClr>
-              </a:solidFill>
-              <a:prstDash val="solid"/>
-              <a:round/>
-            </a:ln>
-          </p:spPr>
-          <p:txBody>
-            <a:bodyPr/>
-            <a:lstStyle/>
-            <a:p>
-              <a:endParaRPr/>
-            </a:p>
-          </p:txBody>
-        </p:sp>
-        <p:sp>
-          <p:nvSpPr>
-            <p:cNvPr id="8" name="pl8"/>
-            <p:cNvSpPr/>
-            <p:nvPr/>
-          </p:nvSpPr>
-          <p:spPr>
-            <a:xfrm>
-              <a:off x="5516099" y="5325237"/>
-              <a:ext cx="0" cy="91439"/>
-            </a:xfrm>
-            <a:custGeom>
-              <a:avLst/>
-              <a:gdLst/>
-              <a:ahLst/>
-              <a:cxnLst/>
-              <a:rect l="0" t="0" r="0" b="0"/>
-              <a:pathLst>
-                <a:path h="91439">
-                  <a:moveTo>
-                    <a:pt x="0" y="0"/>
-                  </a:moveTo>
-                  <a:lnTo>
-                    <a:pt x="0" y="91439"/>
-                  </a:lnTo>
-                </a:path>
-              </a:pathLst>
-            </a:custGeom>
-            <a:ln w="9525" cap="rnd">
-              <a:solidFill>
-                <a:srgbClr val="000000">
-                  <a:alpha val="100000"/>
-                </a:srgbClr>
-              </a:solidFill>
-              <a:prstDash val="solid"/>
-              <a:round/>
-            </a:ln>
-          </p:spPr>
-          <p:txBody>
-            <a:bodyPr/>
-            <a:lstStyle/>
-            <a:p>
-              <a:endParaRPr/>
-            </a:p>
-          </p:txBody>
-        </p:sp>
-        <p:sp>
-          <p:nvSpPr>
-            <p:cNvPr id="9" name="pl9"/>
-            <p:cNvSpPr/>
-            <p:nvPr/>
-          </p:nvSpPr>
-          <p:spPr>
-            <a:xfrm>
-              <a:off x="6170175" y="5325237"/>
-              <a:ext cx="0" cy="91439"/>
-            </a:xfrm>
-            <a:custGeom>
-              <a:avLst/>
-              <a:gdLst/>
-              <a:ahLst/>
-              <a:cxnLst/>
-              <a:rect l="0" t="0" r="0" b="0"/>
-              <a:pathLst>
-                <a:path h="91439">
-                  <a:moveTo>
-                    <a:pt x="0" y="0"/>
-                  </a:moveTo>
-                  <a:lnTo>
-                    <a:pt x="0" y="91439"/>
-                  </a:lnTo>
-                </a:path>
-              </a:pathLst>
-            </a:custGeom>
-            <a:ln w="9525" cap="rnd">
-              <a:solidFill>
-                <a:srgbClr val="000000">
-                  <a:alpha val="100000"/>
-                </a:srgbClr>
-              </a:solidFill>
-              <a:prstDash val="solid"/>
-              <a:round/>
-            </a:ln>
-          </p:spPr>
-          <p:txBody>
-            <a:bodyPr/>
-            <a:lstStyle/>
-            <a:p>
-              <a:endParaRPr/>
-            </a:p>
-          </p:txBody>
-        </p:sp>
-        <p:sp>
-          <p:nvSpPr>
-            <p:cNvPr id="10" name="pl10"/>
-            <p:cNvSpPr/>
-            <p:nvPr/>
-          </p:nvSpPr>
-          <p:spPr>
-            <a:xfrm>
-              <a:off x="6824251" y="5325237"/>
-              <a:ext cx="0" cy="91439"/>
-            </a:xfrm>
-            <a:custGeom>
-              <a:avLst/>
-              <a:gdLst/>
-              <a:ahLst/>
-              <a:cxnLst/>
-              <a:rect l="0" t="0" r="0" b="0"/>
-              <a:pathLst>
-                <a:path h="91439">
-                  <a:moveTo>
-                    <a:pt x="0" y="0"/>
-                  </a:moveTo>
-                  <a:lnTo>
-                    <a:pt x="0" y="91439"/>
-                  </a:lnTo>
-                </a:path>
-              </a:pathLst>
-            </a:custGeom>
-            <a:ln w="9525" cap="rnd">
-              <a:solidFill>
-                <a:srgbClr val="000000">
-                  <a:alpha val="100000"/>
-                </a:srgbClr>
-              </a:solidFill>
-              <a:prstDash val="solid"/>
-              <a:round/>
-            </a:ln>
-          </p:spPr>
-          <p:txBody>
-            <a:bodyPr/>
-            <a:lstStyle/>
-            <a:p>
-              <a:endParaRPr/>
-            </a:p>
-          </p:txBody>
-        </p:sp>
-        <p:sp>
-          <p:nvSpPr>
-            <p:cNvPr id="11" name="tx11"/>
-            <p:cNvSpPr/>
-            <p:nvPr/>
-          </p:nvSpPr>
-          <p:spPr>
-            <a:xfrm>
-              <a:off x="3447943" y="5543023"/>
-              <a:ext cx="211856" cy="111397"/>
-            </a:xfrm>
-            <a:prstGeom prst="rect">
-              <a:avLst/>
-            </a:prstGeom>
-            <a:noFill/>
-          </p:spPr>
-          <p:txBody>
-            <a:bodyPr wrap="none" lIns="0" tIns="0" rIns="0" bIns="0" anchor="ctr" anchorCtr="1"/>
-            <a:lstStyle/>
-            <a:p>
-              <a:pPr marL="0" marR="0" indent="0" algn="l">
-                <a:lnSpc>
-                  <a:spcPts val="1200"/>
-                </a:lnSpc>
-                <a:spcBef>
-                  <a:spcPts val="0"/>
-                </a:spcBef>
-                <a:spcAft>
-                  <a:spcPts val="0"/>
-                </a:spcAft>
-              </a:pPr>
-              <a:r>
-                <a:rPr sz="1200">
-                  <a:solidFill>
-                    <a:srgbClr val="000000">
-                      <a:alpha val="100000"/>
-                    </a:srgbClr>
-                  </a:solidFill>
-                  <a:latin typeface="Arial"/>
-                  <a:cs typeface="Arial"/>
-                </a:rPr>
-                <a:t>0.0</a:t>
-              </a:r>
-            </a:p>
-          </p:txBody>
-        </p:sp>
-        <p:sp>
-          <p:nvSpPr>
-            <p:cNvPr id="12" name="tx12"/>
-            <p:cNvSpPr/>
-            <p:nvPr/>
-          </p:nvSpPr>
-          <p:spPr>
-            <a:xfrm>
-              <a:off x="4102019" y="5543023"/>
-              <a:ext cx="211856" cy="111397"/>
-            </a:xfrm>
-            <a:prstGeom prst="rect">
-              <a:avLst/>
-            </a:prstGeom>
-            <a:noFill/>
-          </p:spPr>
-          <p:txBody>
-            <a:bodyPr wrap="none" lIns="0" tIns="0" rIns="0" bIns="0" anchor="ctr" anchorCtr="1"/>
-            <a:lstStyle/>
-            <a:p>
-              <a:pPr marL="0" marR="0" indent="0" algn="l">
-                <a:lnSpc>
-                  <a:spcPts val="1200"/>
-                </a:lnSpc>
-                <a:spcBef>
-                  <a:spcPts val="0"/>
-                </a:spcBef>
-                <a:spcAft>
-                  <a:spcPts val="0"/>
-                </a:spcAft>
-              </a:pPr>
-              <a:r>
-                <a:rPr sz="1200">
-                  <a:solidFill>
-                    <a:srgbClr val="000000">
-                      <a:alpha val="100000"/>
-                    </a:srgbClr>
-                  </a:solidFill>
-                  <a:latin typeface="Arial"/>
-                  <a:cs typeface="Arial"/>
-                </a:rPr>
-                <a:t>0.2</a:t>
-              </a:r>
-            </a:p>
-          </p:txBody>
-        </p:sp>
-        <p:sp>
-          <p:nvSpPr>
-            <p:cNvPr id="13" name="tx13"/>
-            <p:cNvSpPr/>
-            <p:nvPr/>
-          </p:nvSpPr>
-          <p:spPr>
-            <a:xfrm>
-              <a:off x="4756095" y="5543023"/>
-              <a:ext cx="211856" cy="111397"/>
-            </a:xfrm>
-            <a:prstGeom prst="rect">
-              <a:avLst/>
-            </a:prstGeom>
-            <a:noFill/>
-          </p:spPr>
-          <p:txBody>
-            <a:bodyPr wrap="none" lIns="0" tIns="0" rIns="0" bIns="0" anchor="ctr" anchorCtr="1"/>
-            <a:lstStyle/>
-            <a:p>
-              <a:pPr marL="0" marR="0" indent="0" algn="l">
-                <a:lnSpc>
-                  <a:spcPts val="1200"/>
-                </a:lnSpc>
-                <a:spcBef>
-                  <a:spcPts val="0"/>
-                </a:spcBef>
-                <a:spcAft>
-                  <a:spcPts val="0"/>
-                </a:spcAft>
-              </a:pPr>
-              <a:r>
-                <a:rPr sz="1200">
-                  <a:solidFill>
-                    <a:srgbClr val="000000">
-                      <a:alpha val="100000"/>
-                    </a:srgbClr>
-                  </a:solidFill>
-                  <a:latin typeface="Arial"/>
-                  <a:cs typeface="Arial"/>
-                </a:rPr>
-                <a:t>0.4</a:t>
-              </a:r>
-            </a:p>
-          </p:txBody>
-        </p:sp>
-        <p:sp>
-          <p:nvSpPr>
-            <p:cNvPr id="14" name="tx14"/>
-            <p:cNvSpPr/>
-            <p:nvPr/>
-          </p:nvSpPr>
-          <p:spPr>
-            <a:xfrm>
-              <a:off x="5410171" y="5543023"/>
-              <a:ext cx="211856" cy="111397"/>
-            </a:xfrm>
-            <a:prstGeom prst="rect">
-              <a:avLst/>
-            </a:prstGeom>
-            <a:noFill/>
-          </p:spPr>
-          <p:txBody>
-            <a:bodyPr wrap="none" lIns="0" tIns="0" rIns="0" bIns="0" anchor="ctr" anchorCtr="1"/>
-            <a:lstStyle/>
-            <a:p>
-              <a:pPr marL="0" marR="0" indent="0" algn="l">
-                <a:lnSpc>
-                  <a:spcPts val="1200"/>
-                </a:lnSpc>
-                <a:spcBef>
-                  <a:spcPts val="0"/>
-                </a:spcBef>
-                <a:spcAft>
-                  <a:spcPts val="0"/>
-                </a:spcAft>
-              </a:pPr>
-              <a:r>
-                <a:rPr sz="1200">
-                  <a:solidFill>
-                    <a:srgbClr val="000000">
-                      <a:alpha val="100000"/>
-                    </a:srgbClr>
-                  </a:solidFill>
-                  <a:latin typeface="Arial"/>
-                  <a:cs typeface="Arial"/>
-                </a:rPr>
-                <a:t>0.6</a:t>
-              </a:r>
-            </a:p>
-          </p:txBody>
-        </p:sp>
-        <p:sp>
-          <p:nvSpPr>
-            <p:cNvPr id="15" name="tx15"/>
-            <p:cNvSpPr/>
-            <p:nvPr/>
-          </p:nvSpPr>
-          <p:spPr>
-            <a:xfrm>
-              <a:off x="6064246" y="5543023"/>
-              <a:ext cx="211856" cy="111397"/>
-            </a:xfrm>
-            <a:prstGeom prst="rect">
-              <a:avLst/>
-            </a:prstGeom>
-            <a:noFill/>
-          </p:spPr>
-          <p:txBody>
-            <a:bodyPr wrap="none" lIns="0" tIns="0" rIns="0" bIns="0" anchor="ctr" anchorCtr="1"/>
-            <a:lstStyle/>
-            <a:p>
-              <a:pPr marL="0" marR="0" indent="0" algn="l">
-                <a:lnSpc>
-                  <a:spcPts val="1200"/>
-                </a:lnSpc>
-                <a:spcBef>
-                  <a:spcPts val="0"/>
-                </a:spcBef>
-                <a:spcAft>
-                  <a:spcPts val="0"/>
-                </a:spcAft>
-              </a:pPr>
-              <a:r>
-                <a:rPr sz="1200">
-                  <a:solidFill>
-                    <a:srgbClr val="000000">
-                      <a:alpha val="100000"/>
-                    </a:srgbClr>
-                  </a:solidFill>
-                  <a:latin typeface="Arial"/>
-                  <a:cs typeface="Arial"/>
-                </a:rPr>
-                <a:t>0.8</a:t>
-              </a:r>
-            </a:p>
-          </p:txBody>
-        </p:sp>
-        <p:sp>
-          <p:nvSpPr>
-            <p:cNvPr id="16" name="tx16"/>
-            <p:cNvSpPr/>
-            <p:nvPr/>
-          </p:nvSpPr>
-          <p:spPr>
-            <a:xfrm>
-              <a:off x="6718322" y="5543023"/>
-              <a:ext cx="211856" cy="111397"/>
-            </a:xfrm>
-            <a:prstGeom prst="rect">
-              <a:avLst/>
-            </a:prstGeom>
-            <a:noFill/>
-          </p:spPr>
-          <p:txBody>
-            <a:bodyPr wrap="none" lIns="0" tIns="0" rIns="0" bIns="0" anchor="ctr" anchorCtr="1"/>
-            <a:lstStyle/>
-            <a:p>
-              <a:pPr marL="0" marR="0" indent="0" algn="l">
-                <a:lnSpc>
-                  <a:spcPts val="1200"/>
-                </a:lnSpc>
-                <a:spcBef>
-                  <a:spcPts val="0"/>
-                </a:spcBef>
-                <a:spcAft>
-                  <a:spcPts val="0"/>
-                </a:spcAft>
-              </a:pPr>
-              <a:r>
-                <a:rPr sz="1200">
-                  <a:solidFill>
-                    <a:srgbClr val="000000">
-                      <a:alpha val="100000"/>
-                    </a:srgbClr>
-                  </a:solidFill>
-                  <a:latin typeface="Arial"/>
-                  <a:cs typeface="Arial"/>
-                </a:rPr>
-                <a:t>1.0</a:t>
-              </a:r>
-            </a:p>
-          </p:txBody>
-        </p:sp>
-        <p:sp>
-          <p:nvSpPr>
-            <p:cNvPr id="17" name="pl17"/>
-            <p:cNvSpPr/>
-            <p:nvPr/>
-          </p:nvSpPr>
-          <p:spPr>
-            <a:xfrm>
-              <a:off x="3331877" y="2054733"/>
-              <a:ext cx="0" cy="3270504"/>
-            </a:xfrm>
-            <a:custGeom>
-              <a:avLst/>
-              <a:gdLst/>
-              <a:ahLst/>
-              <a:cxnLst/>
-              <a:rect l="0" t="0" r="0" b="0"/>
-              <a:pathLst>
-                <a:path h="3270504">
-                  <a:moveTo>
-                    <a:pt x="0" y="3270504"/>
-                  </a:moveTo>
-                  <a:lnTo>
-                    <a:pt x="0" y="0"/>
-                  </a:lnTo>
-                </a:path>
-              </a:pathLst>
-            </a:custGeom>
-            <a:ln w="9525" cap="rnd">
-              <a:solidFill>
-                <a:srgbClr val="000000">
-                  <a:alpha val="100000"/>
-                </a:srgbClr>
-              </a:solidFill>
-              <a:prstDash val="solid"/>
-              <a:round/>
-            </a:ln>
-          </p:spPr>
-          <p:txBody>
-            <a:bodyPr/>
-            <a:lstStyle/>
-            <a:p>
-              <a:endParaRPr/>
-            </a:p>
-          </p:txBody>
-        </p:sp>
-        <p:sp>
-          <p:nvSpPr>
-            <p:cNvPr id="18" name="pl18"/>
-            <p:cNvSpPr/>
-            <p:nvPr/>
-          </p:nvSpPr>
-          <p:spPr>
-            <a:xfrm>
-              <a:off x="3240437" y="5325237"/>
-              <a:ext cx="91440" cy="0"/>
-            </a:xfrm>
-            <a:custGeom>
-              <a:avLst/>
-              <a:gdLst/>
-              <a:ahLst/>
-              <a:cxnLst/>
-              <a:rect l="0" t="0" r="0" b="0"/>
-              <a:pathLst>
-                <a:path w="91440">
-                  <a:moveTo>
-                    <a:pt x="91440" y="0"/>
-                  </a:moveTo>
-                  <a:lnTo>
-                    <a:pt x="0" y="0"/>
-                  </a:lnTo>
-                </a:path>
-              </a:pathLst>
-            </a:custGeom>
-            <a:ln w="9525" cap="rnd">
-              <a:solidFill>
-                <a:srgbClr val="000000">
-                  <a:alpha val="100000"/>
-                </a:srgbClr>
-              </a:solidFill>
-              <a:prstDash val="solid"/>
-              <a:round/>
-            </a:ln>
-          </p:spPr>
-          <p:txBody>
-            <a:bodyPr/>
-            <a:lstStyle/>
-            <a:p>
-              <a:endParaRPr/>
-            </a:p>
-          </p:txBody>
-        </p:sp>
-        <p:sp>
-          <p:nvSpPr>
-            <p:cNvPr id="19" name="pl19"/>
-            <p:cNvSpPr/>
-            <p:nvPr/>
-          </p:nvSpPr>
-          <p:spPr>
-            <a:xfrm>
-              <a:off x="3240437" y="4671136"/>
-              <a:ext cx="91440" cy="0"/>
-            </a:xfrm>
-            <a:custGeom>
-              <a:avLst/>
-              <a:gdLst/>
-              <a:ahLst/>
-              <a:cxnLst/>
-              <a:rect l="0" t="0" r="0" b="0"/>
-              <a:pathLst>
-                <a:path w="91440">
-                  <a:moveTo>
-                    <a:pt x="91440" y="0"/>
-                  </a:moveTo>
-                  <a:lnTo>
-                    <a:pt x="0" y="0"/>
-                  </a:lnTo>
-                </a:path>
-              </a:pathLst>
-            </a:custGeom>
-            <a:ln w="9525" cap="rnd">
-              <a:solidFill>
-                <a:srgbClr val="000000">
-                  <a:alpha val="100000"/>
-                </a:srgbClr>
-              </a:solidFill>
-              <a:prstDash val="solid"/>
-              <a:round/>
-            </a:ln>
-          </p:spPr>
-          <p:txBody>
-            <a:bodyPr/>
-            <a:lstStyle/>
-            <a:p>
-              <a:endParaRPr/>
-            </a:p>
-          </p:txBody>
-        </p:sp>
-        <p:sp>
-          <p:nvSpPr>
-            <p:cNvPr id="20" name="pl20"/>
-            <p:cNvSpPr/>
-            <p:nvPr/>
-          </p:nvSpPr>
-          <p:spPr>
-            <a:xfrm>
-              <a:off x="3240437" y="4017035"/>
-              <a:ext cx="91440" cy="0"/>
-            </a:xfrm>
-            <a:custGeom>
-              <a:avLst/>
-              <a:gdLst/>
-              <a:ahLst/>
-              <a:cxnLst/>
-              <a:rect l="0" t="0" r="0" b="0"/>
-              <a:pathLst>
-                <a:path w="91440">
-                  <a:moveTo>
-                    <a:pt x="91440" y="0"/>
-                  </a:moveTo>
-                  <a:lnTo>
-                    <a:pt x="0" y="0"/>
-                  </a:lnTo>
-                </a:path>
-              </a:pathLst>
-            </a:custGeom>
-            <a:ln w="9525" cap="rnd">
-              <a:solidFill>
-                <a:srgbClr val="000000">
-                  <a:alpha val="100000"/>
-                </a:srgbClr>
-              </a:solidFill>
-              <a:prstDash val="solid"/>
-              <a:round/>
-            </a:ln>
-          </p:spPr>
-          <p:txBody>
-            <a:bodyPr/>
-            <a:lstStyle/>
-            <a:p>
-              <a:endParaRPr/>
-            </a:p>
-          </p:txBody>
-        </p:sp>
-        <p:sp>
-          <p:nvSpPr>
-            <p:cNvPr id="21" name="pl21"/>
-            <p:cNvSpPr/>
-            <p:nvPr/>
-          </p:nvSpPr>
-          <p:spPr>
-            <a:xfrm>
-              <a:off x="3240437" y="3362934"/>
-              <a:ext cx="91440" cy="0"/>
-            </a:xfrm>
-            <a:custGeom>
-              <a:avLst/>
-              <a:gdLst/>
-              <a:ahLst/>
-              <a:cxnLst/>
-              <a:rect l="0" t="0" r="0" b="0"/>
-              <a:pathLst>
-                <a:path w="91440">
-                  <a:moveTo>
-                    <a:pt x="91440" y="0"/>
-                  </a:moveTo>
-                  <a:lnTo>
-                    <a:pt x="0" y="0"/>
-                  </a:lnTo>
-                </a:path>
-              </a:pathLst>
-            </a:custGeom>
-            <a:ln w="9525" cap="rnd">
-              <a:solidFill>
-                <a:srgbClr val="000000">
-                  <a:alpha val="100000"/>
-                </a:srgbClr>
-              </a:solidFill>
-              <a:prstDash val="solid"/>
-              <a:round/>
-            </a:ln>
-          </p:spPr>
-          <p:txBody>
-            <a:bodyPr/>
-            <a:lstStyle/>
-            <a:p>
-              <a:endParaRPr/>
-            </a:p>
-          </p:txBody>
-        </p:sp>
-        <p:sp>
-          <p:nvSpPr>
-            <p:cNvPr id="22" name="pl22"/>
-            <p:cNvSpPr/>
-            <p:nvPr/>
-          </p:nvSpPr>
-          <p:spPr>
-            <a:xfrm>
-              <a:off x="3240437" y="2708833"/>
-              <a:ext cx="91440" cy="0"/>
-            </a:xfrm>
-            <a:custGeom>
-              <a:avLst/>
-              <a:gdLst/>
-              <a:ahLst/>
-              <a:cxnLst/>
-              <a:rect l="0" t="0" r="0" b="0"/>
-              <a:pathLst>
-                <a:path w="91440">
-                  <a:moveTo>
-                    <a:pt x="91440" y="0"/>
-                  </a:moveTo>
-                  <a:lnTo>
-                    <a:pt x="0" y="0"/>
-                  </a:lnTo>
-                </a:path>
-              </a:pathLst>
-            </a:custGeom>
-            <a:ln w="9525" cap="rnd">
-              <a:solidFill>
-                <a:srgbClr val="000000">
-                  <a:alpha val="100000"/>
-                </a:srgbClr>
-              </a:solidFill>
-              <a:prstDash val="solid"/>
-              <a:round/>
-            </a:ln>
-          </p:spPr>
-          <p:txBody>
-            <a:bodyPr/>
-            <a:lstStyle/>
-            <a:p>
-              <a:endParaRPr/>
-            </a:p>
-          </p:txBody>
-        </p:sp>
-        <p:sp>
-          <p:nvSpPr>
-            <p:cNvPr id="23" name="pl23"/>
-            <p:cNvSpPr/>
-            <p:nvPr/>
-          </p:nvSpPr>
-          <p:spPr>
-            <a:xfrm>
-              <a:off x="3240437" y="2054733"/>
-              <a:ext cx="91440" cy="0"/>
-            </a:xfrm>
-            <a:custGeom>
-              <a:avLst/>
-              <a:gdLst/>
-              <a:ahLst/>
-              <a:cxnLst/>
-              <a:rect l="0" t="0" r="0" b="0"/>
-              <a:pathLst>
-                <a:path w="91440">
-                  <a:moveTo>
-                    <a:pt x="91440" y="0"/>
-                  </a:moveTo>
-                  <a:lnTo>
-                    <a:pt x="0" y="0"/>
-                  </a:lnTo>
-                </a:path>
-              </a:pathLst>
-            </a:custGeom>
-            <a:ln w="9525" cap="rnd">
-              <a:solidFill>
-                <a:srgbClr val="000000">
-                  <a:alpha val="100000"/>
-                </a:srgbClr>
-              </a:solidFill>
-              <a:prstDash val="solid"/>
-              <a:round/>
-            </a:ln>
-          </p:spPr>
-          <p:txBody>
-            <a:bodyPr/>
-            <a:lstStyle/>
-            <a:p>
-              <a:endParaRPr/>
-            </a:p>
-          </p:txBody>
-        </p:sp>
-        <p:sp>
-          <p:nvSpPr>
-            <p:cNvPr id="24" name="tx24"/>
-            <p:cNvSpPr/>
-            <p:nvPr/>
-          </p:nvSpPr>
-          <p:spPr>
-            <a:xfrm rot="-5400000">
-              <a:off x="2950793" y="5269538"/>
-              <a:ext cx="211856" cy="111397"/>
-            </a:xfrm>
-            <a:prstGeom prst="rect">
-              <a:avLst/>
-            </a:prstGeom>
-            <a:noFill/>
-          </p:spPr>
-          <p:txBody>
-            <a:bodyPr wrap="none" lIns="0" tIns="0" rIns="0" bIns="0" anchor="ctr" anchorCtr="1"/>
-            <a:lstStyle/>
-            <a:p>
-              <a:pPr marL="0" marR="0" indent="0" algn="l">
-                <a:lnSpc>
-                  <a:spcPts val="1200"/>
-                </a:lnSpc>
-                <a:spcBef>
-                  <a:spcPts val="0"/>
-                </a:spcBef>
-                <a:spcAft>
-                  <a:spcPts val="0"/>
-                </a:spcAft>
-              </a:pPr>
-              <a:r>
-                <a:rPr sz="1200">
-                  <a:solidFill>
-                    <a:srgbClr val="000000">
-                      <a:alpha val="100000"/>
-                    </a:srgbClr>
-                  </a:solidFill>
-                  <a:latin typeface="Arial"/>
-                  <a:cs typeface="Arial"/>
-                </a:rPr>
-                <a:t>0.0</a:t>
-              </a:r>
-            </a:p>
-          </p:txBody>
-        </p:sp>
-        <p:sp>
-          <p:nvSpPr>
-            <p:cNvPr id="25" name="tx25"/>
-            <p:cNvSpPr/>
-            <p:nvPr/>
-          </p:nvSpPr>
-          <p:spPr>
-            <a:xfrm rot="-5400000">
-              <a:off x="2950793" y="4615437"/>
-              <a:ext cx="211856" cy="111397"/>
-            </a:xfrm>
-            <a:prstGeom prst="rect">
-              <a:avLst/>
-            </a:prstGeom>
-            <a:noFill/>
-          </p:spPr>
-          <p:txBody>
-            <a:bodyPr wrap="none" lIns="0" tIns="0" rIns="0" bIns="0" anchor="ctr" anchorCtr="1"/>
-            <a:lstStyle/>
-            <a:p>
-              <a:pPr marL="0" marR="0" indent="0" algn="l">
-                <a:lnSpc>
-                  <a:spcPts val="1200"/>
-                </a:lnSpc>
-                <a:spcBef>
-                  <a:spcPts val="0"/>
-                </a:spcBef>
-                <a:spcAft>
-                  <a:spcPts val="0"/>
-                </a:spcAft>
-              </a:pPr>
-              <a:r>
-                <a:rPr sz="1200">
-                  <a:solidFill>
-                    <a:srgbClr val="000000">
-                      <a:alpha val="100000"/>
-                    </a:srgbClr>
-                  </a:solidFill>
-                  <a:latin typeface="Arial"/>
-                  <a:cs typeface="Arial"/>
-                </a:rPr>
-                <a:t>0.2</a:t>
-              </a:r>
-            </a:p>
-          </p:txBody>
-        </p:sp>
-        <p:sp>
-          <p:nvSpPr>
-            <p:cNvPr id="26" name="tx26"/>
-            <p:cNvSpPr/>
-            <p:nvPr/>
-          </p:nvSpPr>
-          <p:spPr>
-            <a:xfrm rot="-5400000">
-              <a:off x="2950793" y="3961336"/>
-              <a:ext cx="211856" cy="111397"/>
-            </a:xfrm>
-            <a:prstGeom prst="rect">
-              <a:avLst/>
-            </a:prstGeom>
-            <a:noFill/>
-          </p:spPr>
-          <p:txBody>
-            <a:bodyPr wrap="none" lIns="0" tIns="0" rIns="0" bIns="0" anchor="ctr" anchorCtr="1"/>
-            <a:lstStyle/>
-            <a:p>
-              <a:pPr marL="0" marR="0" indent="0" algn="l">
-                <a:lnSpc>
-                  <a:spcPts val="1200"/>
-                </a:lnSpc>
-                <a:spcBef>
-                  <a:spcPts val="0"/>
-                </a:spcBef>
-                <a:spcAft>
-                  <a:spcPts val="0"/>
-                </a:spcAft>
-              </a:pPr>
-              <a:r>
-                <a:rPr sz="1200">
-                  <a:solidFill>
-                    <a:srgbClr val="000000">
-                      <a:alpha val="100000"/>
-                    </a:srgbClr>
-                  </a:solidFill>
-                  <a:latin typeface="Arial"/>
-                  <a:cs typeface="Arial"/>
-                </a:rPr>
-                <a:t>0.4</a:t>
-              </a:r>
-            </a:p>
-          </p:txBody>
-        </p:sp>
-        <p:sp>
-          <p:nvSpPr>
-            <p:cNvPr id="27" name="tx27"/>
-            <p:cNvSpPr/>
-            <p:nvPr/>
-          </p:nvSpPr>
-          <p:spPr>
-            <a:xfrm rot="-5400000">
-              <a:off x="2950793" y="3307235"/>
-              <a:ext cx="211856" cy="111397"/>
-            </a:xfrm>
-            <a:prstGeom prst="rect">
-              <a:avLst/>
-            </a:prstGeom>
-            <a:noFill/>
-          </p:spPr>
-          <p:txBody>
-            <a:bodyPr wrap="none" lIns="0" tIns="0" rIns="0" bIns="0" anchor="ctr" anchorCtr="1"/>
-            <a:lstStyle/>
-            <a:p>
-              <a:pPr marL="0" marR="0" indent="0" algn="l">
-                <a:lnSpc>
-                  <a:spcPts val="1200"/>
-                </a:lnSpc>
-                <a:spcBef>
-                  <a:spcPts val="0"/>
-                </a:spcBef>
-                <a:spcAft>
-                  <a:spcPts val="0"/>
-                </a:spcAft>
-              </a:pPr>
-              <a:r>
-                <a:rPr sz="1200">
-                  <a:solidFill>
-                    <a:srgbClr val="000000">
-                      <a:alpha val="100000"/>
-                    </a:srgbClr>
-                  </a:solidFill>
-                  <a:latin typeface="Arial"/>
-                  <a:cs typeface="Arial"/>
-                </a:rPr>
-                <a:t>0.6</a:t>
-              </a:r>
-            </a:p>
-          </p:txBody>
-        </p:sp>
-        <p:sp>
-          <p:nvSpPr>
-            <p:cNvPr id="28" name="tx28"/>
-            <p:cNvSpPr/>
-            <p:nvPr/>
-          </p:nvSpPr>
-          <p:spPr>
-            <a:xfrm rot="-5400000">
-              <a:off x="2950793" y="2653134"/>
-              <a:ext cx="211856" cy="111397"/>
-            </a:xfrm>
-            <a:prstGeom prst="rect">
-              <a:avLst/>
-            </a:prstGeom>
-            <a:noFill/>
-          </p:spPr>
-          <p:txBody>
-            <a:bodyPr wrap="none" lIns="0" tIns="0" rIns="0" bIns="0" anchor="ctr" anchorCtr="1"/>
-            <a:lstStyle/>
-            <a:p>
-              <a:pPr marL="0" marR="0" indent="0" algn="l">
-                <a:lnSpc>
-                  <a:spcPts val="1200"/>
-                </a:lnSpc>
-                <a:spcBef>
-                  <a:spcPts val="0"/>
-                </a:spcBef>
-                <a:spcAft>
-                  <a:spcPts val="0"/>
-                </a:spcAft>
-              </a:pPr>
-              <a:r>
-                <a:rPr sz="1200">
-                  <a:solidFill>
-                    <a:srgbClr val="000000">
-                      <a:alpha val="100000"/>
-                    </a:srgbClr>
-                  </a:solidFill>
-                  <a:latin typeface="Arial"/>
-                  <a:cs typeface="Arial"/>
-                </a:rPr>
-                <a:t>0.8</a:t>
-              </a:r>
-            </a:p>
-          </p:txBody>
-        </p:sp>
-        <p:sp>
-          <p:nvSpPr>
-            <p:cNvPr id="29" name="tx29"/>
-            <p:cNvSpPr/>
-            <p:nvPr/>
-          </p:nvSpPr>
-          <p:spPr>
-            <a:xfrm rot="-5400000">
-              <a:off x="2950793" y="1999034"/>
-              <a:ext cx="211856" cy="111397"/>
-            </a:xfrm>
-            <a:prstGeom prst="rect">
-              <a:avLst/>
-            </a:prstGeom>
-            <a:noFill/>
-          </p:spPr>
-          <p:txBody>
-            <a:bodyPr wrap="none" lIns="0" tIns="0" rIns="0" bIns="0" anchor="ctr" anchorCtr="1"/>
-            <a:lstStyle/>
-            <a:p>
-              <a:pPr marL="0" marR="0" indent="0" algn="l">
-                <a:lnSpc>
-                  <a:spcPts val="1200"/>
-                </a:lnSpc>
-                <a:spcBef>
-                  <a:spcPts val="0"/>
-                </a:spcBef>
-                <a:spcAft>
-                  <a:spcPts val="0"/>
-                </a:spcAft>
-              </a:pPr>
-              <a:r>
-                <a:rPr sz="1200">
-                  <a:solidFill>
-                    <a:srgbClr val="000000">
-                      <a:alpha val="100000"/>
-                    </a:srgbClr>
-                  </a:solidFill>
-                  <a:latin typeface="Arial"/>
-                  <a:cs typeface="Arial"/>
-                </a:rPr>
-                <a:t>1.0</a:t>
-              </a:r>
-            </a:p>
-          </p:txBody>
-        </p:sp>
-        <p:sp>
-          <p:nvSpPr>
-            <p:cNvPr id="30" name="pl30"/>
-            <p:cNvSpPr/>
-            <p:nvPr/>
-          </p:nvSpPr>
-          <p:spPr>
-            <a:xfrm>
-              <a:off x="3331877" y="2054733"/>
-              <a:ext cx="3714368" cy="3270504"/>
-            </a:xfrm>
-            <a:custGeom>
-              <a:avLst/>
-              <a:gdLst/>
-              <a:ahLst/>
-              <a:cxnLst/>
-              <a:rect l="0" t="0" r="0" b="0"/>
-              <a:pathLst>
-                <a:path w="3714368" h="3270504">
-                  <a:moveTo>
-                    <a:pt x="0" y="3270504"/>
-                  </a:moveTo>
-                  <a:lnTo>
-                    <a:pt x="3714368" y="3270504"/>
-                  </a:lnTo>
-                  <a:lnTo>
-                    <a:pt x="3714368" y="0"/>
-                  </a:lnTo>
-                  <a:lnTo>
-                    <a:pt x="0" y="0"/>
-                  </a:lnTo>
-                  <a:lnTo>
-                    <a:pt x="0" y="3270504"/>
-                  </a:lnTo>
-                </a:path>
-              </a:pathLst>
-            </a:custGeom>
-            <a:ln w="9525" cap="rnd">
-              <a:solidFill>
-                <a:srgbClr val="000000">
-                  <a:alpha val="100000"/>
-                </a:srgbClr>
-              </a:solidFill>
-              <a:prstDash val="solid"/>
-              <a:round/>
-            </a:ln>
-          </p:spPr>
-          <p:txBody>
-            <a:bodyPr/>
-            <a:lstStyle/>
-            <a:p>
-              <a:endParaRPr/>
-            </a:p>
-          </p:txBody>
-        </p:sp>
-        <p:pic>
-          <p:nvPicPr>
-            <p:cNvPr id="31" name="pic31"/>
-            <p:cNvPicPr/>
-            <p:nvPr/>
-          </p:nvPicPr>
-          <p:blipFill>
-            <a:blip r:embed="rId2" cstate="print"/>
-            <a:stretch>
-              <a:fillRect/>
-            </a:stretch>
-          </p:blipFill>
-          <p:spPr>
-            <a:xfrm>
-              <a:off x="3553871" y="2054733"/>
-              <a:ext cx="3270379" cy="3270504"/>
-            </a:xfrm>
-            <a:prstGeom prst="rect">
-              <a:avLst/>
-            </a:prstGeom>
-          </p:spPr>
-        </p:pic>
-        <p:pic>
-          <p:nvPicPr>
-            <p:cNvPr id="32" name="pic32"/>
-            <p:cNvPicPr/>
-            <p:nvPr/>
-          </p:nvPicPr>
-          <p:blipFill>
-            <a:blip r:embed="rId3" cstate="print"/>
-            <a:stretch>
-              <a:fillRect/>
-            </a:stretch>
-          </p:blipFill>
-          <p:spPr>
-            <a:xfrm>
-              <a:off x="7334282" y="2872359"/>
-              <a:ext cx="82295" cy="1635252"/>
-            </a:xfrm>
-            <a:prstGeom prst="rect">
-              <a:avLst/>
-            </a:prstGeom>
-          </p:spPr>
-        </p:pic>
-        <p:sp>
-          <p:nvSpPr>
-            <p:cNvPr id="33" name="pl33"/>
-            <p:cNvSpPr/>
-            <p:nvPr/>
-          </p:nvSpPr>
-          <p:spPr>
-            <a:xfrm>
-              <a:off x="7416577" y="2935124"/>
-              <a:ext cx="0" cy="1572486"/>
-            </a:xfrm>
-            <a:custGeom>
-              <a:avLst/>
-              <a:gdLst/>
-              <a:ahLst/>
-              <a:cxnLst/>
-              <a:rect l="0" t="0" r="0" b="0"/>
-              <a:pathLst>
-                <a:path h="1572486">
-                  <a:moveTo>
-                    <a:pt x="0" y="1572486"/>
-                  </a:moveTo>
-                  <a:lnTo>
-                    <a:pt x="0" y="0"/>
-                  </a:lnTo>
-                </a:path>
-              </a:pathLst>
-            </a:custGeom>
-            <a:ln w="9525" cap="rnd">
-              <a:solidFill>
-                <a:srgbClr val="000000">
-                  <a:alpha val="100000"/>
-                </a:srgbClr>
-              </a:solidFill>
-              <a:prstDash val="solid"/>
-              <a:round/>
-            </a:ln>
-          </p:spPr>
-          <p:txBody>
-            <a:bodyPr/>
-            <a:lstStyle/>
-            <a:p>
-              <a:endParaRPr/>
-            </a:p>
-          </p:txBody>
-        </p:sp>
-        <p:sp>
-          <p:nvSpPr>
-            <p:cNvPr id="34" name="pl34"/>
-            <p:cNvSpPr/>
-            <p:nvPr/>
-          </p:nvSpPr>
-          <p:spPr>
-            <a:xfrm>
-              <a:off x="7416577" y="4507611"/>
-              <a:ext cx="91440" cy="0"/>
-            </a:xfrm>
-            <a:custGeom>
-              <a:avLst/>
-              <a:gdLst/>
-              <a:ahLst/>
-              <a:cxnLst/>
-              <a:rect l="0" t="0" r="0" b="0"/>
-              <a:pathLst>
-                <a:path w="91440">
-                  <a:moveTo>
-                    <a:pt x="0" y="0"/>
-                  </a:moveTo>
-                  <a:lnTo>
-                    <a:pt x="91440" y="0"/>
-                  </a:lnTo>
-                </a:path>
-              </a:pathLst>
-            </a:custGeom>
-            <a:ln w="9525" cap="rnd">
-              <a:solidFill>
-                <a:srgbClr val="000000">
-                  <a:alpha val="100000"/>
-                </a:srgbClr>
-              </a:solidFill>
-              <a:prstDash val="solid"/>
-              <a:round/>
-            </a:ln>
-          </p:spPr>
-          <p:txBody>
-            <a:bodyPr/>
-            <a:lstStyle/>
-            <a:p>
-              <a:endParaRPr/>
-            </a:p>
-          </p:txBody>
-        </p:sp>
-        <p:sp>
-          <p:nvSpPr>
-            <p:cNvPr id="35" name="pl35"/>
-            <p:cNvSpPr/>
-            <p:nvPr/>
-          </p:nvSpPr>
-          <p:spPr>
-            <a:xfrm>
-              <a:off x="7416577" y="4245529"/>
-              <a:ext cx="91440" cy="0"/>
-            </a:xfrm>
-            <a:custGeom>
-              <a:avLst/>
-              <a:gdLst/>
-              <a:ahLst/>
-              <a:cxnLst/>
-              <a:rect l="0" t="0" r="0" b="0"/>
-              <a:pathLst>
-                <a:path w="91440">
-                  <a:moveTo>
-                    <a:pt x="0" y="0"/>
-                  </a:moveTo>
-                  <a:lnTo>
-                    <a:pt x="91440" y="0"/>
-                  </a:lnTo>
-                </a:path>
-              </a:pathLst>
-            </a:custGeom>
-            <a:ln w="9525" cap="rnd">
-              <a:solidFill>
-                <a:srgbClr val="000000">
-                  <a:alpha val="100000"/>
-                </a:srgbClr>
-              </a:solidFill>
-              <a:prstDash val="solid"/>
-              <a:round/>
-            </a:ln>
-          </p:spPr>
-          <p:txBody>
-            <a:bodyPr/>
-            <a:lstStyle/>
-            <a:p>
-              <a:endParaRPr/>
-            </a:p>
-          </p:txBody>
-        </p:sp>
-        <p:sp>
-          <p:nvSpPr>
-            <p:cNvPr id="36" name="pl36"/>
-            <p:cNvSpPr/>
-            <p:nvPr/>
-          </p:nvSpPr>
-          <p:spPr>
-            <a:xfrm>
-              <a:off x="7416577" y="3983448"/>
-              <a:ext cx="91440" cy="0"/>
-            </a:xfrm>
-            <a:custGeom>
-              <a:avLst/>
-              <a:gdLst/>
-              <a:ahLst/>
-              <a:cxnLst/>
-              <a:rect l="0" t="0" r="0" b="0"/>
-              <a:pathLst>
-                <a:path w="91440">
-                  <a:moveTo>
-                    <a:pt x="0" y="0"/>
-                  </a:moveTo>
-                  <a:lnTo>
-                    <a:pt x="91440" y="0"/>
-                  </a:lnTo>
-                </a:path>
-              </a:pathLst>
-            </a:custGeom>
-            <a:ln w="9525" cap="rnd">
-              <a:solidFill>
-                <a:srgbClr val="000000">
-                  <a:alpha val="100000"/>
-                </a:srgbClr>
-              </a:solidFill>
-              <a:prstDash val="solid"/>
-              <a:round/>
-            </a:ln>
-          </p:spPr>
-          <p:txBody>
-            <a:bodyPr/>
-            <a:lstStyle/>
-            <a:p>
-              <a:endParaRPr/>
-            </a:p>
-          </p:txBody>
-        </p:sp>
-        <p:sp>
-          <p:nvSpPr>
-            <p:cNvPr id="37" name="pl37"/>
-            <p:cNvSpPr/>
-            <p:nvPr/>
-          </p:nvSpPr>
-          <p:spPr>
-            <a:xfrm>
-              <a:off x="7416577" y="3721367"/>
-              <a:ext cx="91440" cy="0"/>
-            </a:xfrm>
-            <a:custGeom>
-              <a:avLst/>
-              <a:gdLst/>
-              <a:ahLst/>
-              <a:cxnLst/>
-              <a:rect l="0" t="0" r="0" b="0"/>
-              <a:pathLst>
-                <a:path w="91440">
-                  <a:moveTo>
-                    <a:pt x="0" y="0"/>
-                  </a:moveTo>
-                  <a:lnTo>
-                    <a:pt x="91440" y="0"/>
-                  </a:lnTo>
-                </a:path>
-              </a:pathLst>
-            </a:custGeom>
-            <a:ln w="9525" cap="rnd">
-              <a:solidFill>
-                <a:srgbClr val="000000">
-                  <a:alpha val="100000"/>
-                </a:srgbClr>
-              </a:solidFill>
-              <a:prstDash val="solid"/>
-              <a:round/>
-            </a:ln>
-          </p:spPr>
-          <p:txBody>
-            <a:bodyPr/>
-            <a:lstStyle/>
-            <a:p>
-              <a:endParaRPr/>
-            </a:p>
-          </p:txBody>
-        </p:sp>
-        <p:sp>
-          <p:nvSpPr>
-            <p:cNvPr id="38" name="pl38"/>
-            <p:cNvSpPr/>
-            <p:nvPr/>
-          </p:nvSpPr>
-          <p:spPr>
-            <a:xfrm>
-              <a:off x="7416577" y="3459286"/>
-              <a:ext cx="91440" cy="0"/>
-            </a:xfrm>
-            <a:custGeom>
-              <a:avLst/>
-              <a:gdLst/>
-              <a:ahLst/>
-              <a:cxnLst/>
-              <a:rect l="0" t="0" r="0" b="0"/>
-              <a:pathLst>
-                <a:path w="91440">
-                  <a:moveTo>
-                    <a:pt x="0" y="0"/>
-                  </a:moveTo>
-                  <a:lnTo>
-                    <a:pt x="91440" y="0"/>
-                  </a:lnTo>
-                </a:path>
-              </a:pathLst>
-            </a:custGeom>
-            <a:ln w="9525" cap="rnd">
-              <a:solidFill>
-                <a:srgbClr val="000000">
-                  <a:alpha val="100000"/>
-                </a:srgbClr>
-              </a:solidFill>
-              <a:prstDash val="solid"/>
-              <a:round/>
-            </a:ln>
-          </p:spPr>
-          <p:txBody>
-            <a:bodyPr/>
-            <a:lstStyle/>
-            <a:p>
-              <a:endParaRPr/>
-            </a:p>
-          </p:txBody>
-        </p:sp>
-        <p:sp>
-          <p:nvSpPr>
-            <p:cNvPr id="39" name="pl39"/>
-            <p:cNvSpPr/>
-            <p:nvPr/>
-          </p:nvSpPr>
-          <p:spPr>
-            <a:xfrm>
-              <a:off x="7416577" y="3197205"/>
-              <a:ext cx="91440" cy="0"/>
-            </a:xfrm>
-            <a:custGeom>
-              <a:avLst/>
-              <a:gdLst/>
-              <a:ahLst/>
-              <a:cxnLst/>
-              <a:rect l="0" t="0" r="0" b="0"/>
-              <a:pathLst>
-                <a:path w="91440">
-                  <a:moveTo>
-                    <a:pt x="0" y="0"/>
-                  </a:moveTo>
-                  <a:lnTo>
-                    <a:pt x="91440" y="0"/>
-                  </a:lnTo>
-                </a:path>
-              </a:pathLst>
-            </a:custGeom>
-            <a:ln w="9525" cap="rnd">
-              <a:solidFill>
-                <a:srgbClr val="000000">
-                  <a:alpha val="100000"/>
-                </a:srgbClr>
-              </a:solidFill>
-              <a:prstDash val="solid"/>
-              <a:round/>
-            </a:ln>
-          </p:spPr>
-          <p:txBody>
-            <a:bodyPr/>
-            <a:lstStyle/>
-            <a:p>
-              <a:endParaRPr/>
-            </a:p>
-          </p:txBody>
-        </p:sp>
-        <p:sp>
-          <p:nvSpPr>
-            <p:cNvPr id="40" name="pl40"/>
-            <p:cNvSpPr/>
-            <p:nvPr/>
-          </p:nvSpPr>
-          <p:spPr>
-            <a:xfrm>
-              <a:off x="7416577" y="2935124"/>
-              <a:ext cx="91440" cy="0"/>
-            </a:xfrm>
-            <a:custGeom>
-              <a:avLst/>
-              <a:gdLst/>
-              <a:ahLst/>
-              <a:cxnLst/>
-              <a:rect l="0" t="0" r="0" b="0"/>
-              <a:pathLst>
-                <a:path w="91440">
-                  <a:moveTo>
-                    <a:pt x="0" y="0"/>
-                  </a:moveTo>
-                  <a:lnTo>
-                    <a:pt x="91440" y="0"/>
-                  </a:lnTo>
-                </a:path>
-              </a:pathLst>
-            </a:custGeom>
-            <a:ln w="9525" cap="rnd">
-              <a:solidFill>
-                <a:srgbClr val="000000">
-                  <a:alpha val="100000"/>
-                </a:srgbClr>
-              </a:solidFill>
-              <a:prstDash val="solid"/>
-              <a:round/>
-            </a:ln>
-          </p:spPr>
-          <p:txBody>
-            <a:bodyPr/>
-            <a:lstStyle/>
-            <a:p>
-              <a:endParaRPr/>
-            </a:p>
-          </p:txBody>
-        </p:sp>
-        <p:sp>
-          <p:nvSpPr>
-            <p:cNvPr id="41" name="tx41"/>
-            <p:cNvSpPr/>
-            <p:nvPr/>
-          </p:nvSpPr>
-          <p:spPr>
-            <a:xfrm>
-              <a:off x="7599458" y="4450758"/>
-              <a:ext cx="296614" cy="111397"/>
-            </a:xfrm>
-            <a:prstGeom prst="rect">
-              <a:avLst/>
-            </a:prstGeom>
-            <a:noFill/>
-          </p:spPr>
-          <p:txBody>
-            <a:bodyPr wrap="none" lIns="0" tIns="0" rIns="0" bIns="0" anchor="ctr" anchorCtr="1"/>
-            <a:lstStyle/>
-            <a:p>
-              <a:pPr marL="0" marR="0" indent="0" algn="l">
-                <a:lnSpc>
-                  <a:spcPts val="1200"/>
-                </a:lnSpc>
-                <a:spcBef>
-                  <a:spcPts val="0"/>
-                </a:spcBef>
-                <a:spcAft>
-                  <a:spcPts val="0"/>
-                </a:spcAft>
-              </a:pPr>
-              <a:r>
-                <a:rPr sz="1200">
-                  <a:solidFill>
-                    <a:srgbClr val="000000">
-                      <a:alpha val="100000"/>
-                    </a:srgbClr>
-                  </a:solidFill>
-                  <a:latin typeface="Arial"/>
-                  <a:cs typeface="Arial"/>
-                </a:rPr>
-                <a:t>0.00</a:t>
-              </a:r>
-            </a:p>
-          </p:txBody>
-        </p:sp>
-        <p:sp>
-          <p:nvSpPr>
-            <p:cNvPr id="42" name="tx42"/>
-            <p:cNvSpPr/>
-            <p:nvPr/>
-          </p:nvSpPr>
-          <p:spPr>
-            <a:xfrm>
-              <a:off x="7599458" y="4188677"/>
-              <a:ext cx="296614" cy="111397"/>
-            </a:xfrm>
-            <a:prstGeom prst="rect">
-              <a:avLst/>
-            </a:prstGeom>
-            <a:noFill/>
-          </p:spPr>
-          <p:txBody>
-            <a:bodyPr wrap="none" lIns="0" tIns="0" rIns="0" bIns="0" anchor="ctr" anchorCtr="1"/>
-            <a:lstStyle/>
-            <a:p>
-              <a:pPr marL="0" marR="0" indent="0" algn="l">
-                <a:lnSpc>
-                  <a:spcPts val="1200"/>
-                </a:lnSpc>
-                <a:spcBef>
-                  <a:spcPts val="0"/>
-                </a:spcBef>
-                <a:spcAft>
-                  <a:spcPts val="0"/>
-                </a:spcAft>
-              </a:pPr>
-              <a:r>
-                <a:rPr sz="1200">
-                  <a:solidFill>
-                    <a:srgbClr val="000000">
-                      <a:alpha val="100000"/>
-                    </a:srgbClr>
-                  </a:solidFill>
-                  <a:latin typeface="Arial"/>
-                  <a:cs typeface="Arial"/>
-                </a:rPr>
-                <a:t>0.02</a:t>
-              </a:r>
-            </a:p>
-          </p:txBody>
-        </p:sp>
-        <p:sp>
-          <p:nvSpPr>
-            <p:cNvPr id="43" name="tx43"/>
-            <p:cNvSpPr/>
-            <p:nvPr/>
-          </p:nvSpPr>
-          <p:spPr>
-            <a:xfrm>
-              <a:off x="7599458" y="3926596"/>
-              <a:ext cx="296614" cy="111397"/>
-            </a:xfrm>
-            <a:prstGeom prst="rect">
-              <a:avLst/>
-            </a:prstGeom>
-            <a:noFill/>
-          </p:spPr>
-          <p:txBody>
-            <a:bodyPr wrap="none" lIns="0" tIns="0" rIns="0" bIns="0" anchor="ctr" anchorCtr="1"/>
-            <a:lstStyle/>
-            <a:p>
-              <a:pPr marL="0" marR="0" indent="0" algn="l">
-                <a:lnSpc>
-                  <a:spcPts val="1200"/>
-                </a:lnSpc>
-                <a:spcBef>
-                  <a:spcPts val="0"/>
-                </a:spcBef>
-                <a:spcAft>
-                  <a:spcPts val="0"/>
-                </a:spcAft>
-              </a:pPr>
-              <a:r>
-                <a:rPr sz="1200">
-                  <a:solidFill>
-                    <a:srgbClr val="000000">
-                      <a:alpha val="100000"/>
-                    </a:srgbClr>
-                  </a:solidFill>
-                  <a:latin typeface="Arial"/>
-                  <a:cs typeface="Arial"/>
-                </a:rPr>
-                <a:t>0.04</a:t>
-              </a:r>
-            </a:p>
-          </p:txBody>
-        </p:sp>
-        <p:sp>
-          <p:nvSpPr>
-            <p:cNvPr id="44" name="tx44"/>
-            <p:cNvSpPr/>
-            <p:nvPr/>
-          </p:nvSpPr>
-          <p:spPr>
-            <a:xfrm>
-              <a:off x="7599458" y="3664515"/>
-              <a:ext cx="296614" cy="111397"/>
-            </a:xfrm>
-            <a:prstGeom prst="rect">
-              <a:avLst/>
-            </a:prstGeom>
-            <a:noFill/>
-          </p:spPr>
-          <p:txBody>
-            <a:bodyPr wrap="none" lIns="0" tIns="0" rIns="0" bIns="0" anchor="ctr" anchorCtr="1"/>
-            <a:lstStyle/>
-            <a:p>
-              <a:pPr marL="0" marR="0" indent="0" algn="l">
-                <a:lnSpc>
-                  <a:spcPts val="1200"/>
-                </a:lnSpc>
-                <a:spcBef>
-                  <a:spcPts val="0"/>
-                </a:spcBef>
-                <a:spcAft>
-                  <a:spcPts val="0"/>
-                </a:spcAft>
-              </a:pPr>
-              <a:r>
-                <a:rPr sz="1200">
-                  <a:solidFill>
-                    <a:srgbClr val="000000">
-                      <a:alpha val="100000"/>
-                    </a:srgbClr>
-                  </a:solidFill>
-                  <a:latin typeface="Arial"/>
-                  <a:cs typeface="Arial"/>
-                </a:rPr>
-                <a:t>0.06</a:t>
-              </a:r>
-            </a:p>
-          </p:txBody>
-        </p:sp>
-        <p:sp>
-          <p:nvSpPr>
-            <p:cNvPr id="45" name="tx45"/>
-            <p:cNvSpPr/>
-            <p:nvPr/>
-          </p:nvSpPr>
-          <p:spPr>
-            <a:xfrm>
-              <a:off x="7599458" y="3402434"/>
-              <a:ext cx="296614" cy="111397"/>
-            </a:xfrm>
-            <a:prstGeom prst="rect">
-              <a:avLst/>
-            </a:prstGeom>
-            <a:noFill/>
-          </p:spPr>
-          <p:txBody>
-            <a:bodyPr wrap="none" lIns="0" tIns="0" rIns="0" bIns="0" anchor="ctr" anchorCtr="1"/>
-            <a:lstStyle/>
-            <a:p>
-              <a:pPr marL="0" marR="0" indent="0" algn="l">
-                <a:lnSpc>
-                  <a:spcPts val="1200"/>
-                </a:lnSpc>
-                <a:spcBef>
-                  <a:spcPts val="0"/>
-                </a:spcBef>
-                <a:spcAft>
-                  <a:spcPts val="0"/>
-                </a:spcAft>
-              </a:pPr>
-              <a:r>
-                <a:rPr sz="1200">
-                  <a:solidFill>
-                    <a:srgbClr val="000000">
-                      <a:alpha val="100000"/>
-                    </a:srgbClr>
-                  </a:solidFill>
-                  <a:latin typeface="Arial"/>
-                  <a:cs typeface="Arial"/>
-                </a:rPr>
-                <a:t>0.08</a:t>
-              </a:r>
-            </a:p>
-          </p:txBody>
-        </p:sp>
-        <p:sp>
-          <p:nvSpPr>
-            <p:cNvPr id="46" name="tx46"/>
-            <p:cNvSpPr/>
-            <p:nvPr/>
-          </p:nvSpPr>
-          <p:spPr>
-            <a:xfrm>
-              <a:off x="7599458" y="3140353"/>
-              <a:ext cx="296614" cy="111397"/>
-            </a:xfrm>
-            <a:prstGeom prst="rect">
-              <a:avLst/>
-            </a:prstGeom>
-            <a:noFill/>
-          </p:spPr>
-          <p:txBody>
-            <a:bodyPr wrap="none" lIns="0" tIns="0" rIns="0" bIns="0" anchor="ctr" anchorCtr="1"/>
-            <a:lstStyle/>
-            <a:p>
-              <a:pPr marL="0" marR="0" indent="0" algn="l">
-                <a:lnSpc>
-                  <a:spcPts val="1200"/>
-                </a:lnSpc>
-                <a:spcBef>
-                  <a:spcPts val="0"/>
-                </a:spcBef>
-                <a:spcAft>
-                  <a:spcPts val="0"/>
-                </a:spcAft>
-              </a:pPr>
-              <a:r>
-                <a:rPr sz="1200">
-                  <a:solidFill>
-                    <a:srgbClr val="000000">
-                      <a:alpha val="100000"/>
-                    </a:srgbClr>
-                  </a:solidFill>
-                  <a:latin typeface="Arial"/>
-                  <a:cs typeface="Arial"/>
-                </a:rPr>
-                <a:t>0.10</a:t>
-              </a:r>
-            </a:p>
-          </p:txBody>
-        </p:sp>
-        <p:sp>
-          <p:nvSpPr>
-            <p:cNvPr id="47" name="tx47"/>
-            <p:cNvSpPr/>
-            <p:nvPr/>
-          </p:nvSpPr>
-          <p:spPr>
-            <a:xfrm>
-              <a:off x="7599458" y="2878271"/>
-              <a:ext cx="296614" cy="111397"/>
-            </a:xfrm>
-            <a:prstGeom prst="rect">
-              <a:avLst/>
-            </a:prstGeom>
-            <a:noFill/>
-          </p:spPr>
-          <p:txBody>
-            <a:bodyPr wrap="none" lIns="0" tIns="0" rIns="0" bIns="0" anchor="ctr" anchorCtr="1"/>
-            <a:lstStyle/>
-            <a:p>
-              <a:pPr marL="0" marR="0" indent="0" algn="l">
-                <a:lnSpc>
-                  <a:spcPts val="1200"/>
-                </a:lnSpc>
-                <a:spcBef>
-                  <a:spcPts val="0"/>
-                </a:spcBef>
-                <a:spcAft>
-                  <a:spcPts val="0"/>
-                </a:spcAft>
-              </a:pPr>
-              <a:r>
-                <a:rPr sz="1200">
-                  <a:solidFill>
-                    <a:srgbClr val="000000">
-                      <a:alpha val="100000"/>
-                    </a:srgbClr>
-                  </a:solidFill>
-                  <a:latin typeface="Arial"/>
-                  <a:cs typeface="Arial"/>
-                </a:rPr>
-                <a:t>0.12</a:t>
-              </a:r>
-            </a:p>
-          </p:txBody>
-        </p:sp>
-        <p:sp>
-          <p:nvSpPr>
-            <p:cNvPr id="48" name="pl48"/>
-            <p:cNvSpPr/>
-            <p:nvPr/>
-          </p:nvSpPr>
-          <p:spPr>
-            <a:xfrm>
-              <a:off x="7334282" y="2872359"/>
-              <a:ext cx="82295" cy="1635252"/>
-            </a:xfrm>
-            <a:custGeom>
-              <a:avLst/>
-              <a:gdLst/>
-              <a:ahLst/>
-              <a:cxnLst/>
-              <a:rect l="0" t="0" r="0" b="0"/>
-              <a:pathLst>
-                <a:path w="82295" h="1635252">
-                  <a:moveTo>
-                    <a:pt x="0" y="1635252"/>
-                  </a:moveTo>
-                  <a:lnTo>
-                    <a:pt x="82295" y="1635252"/>
-                  </a:lnTo>
-                  <a:lnTo>
-                    <a:pt x="82295" y="0"/>
-                  </a:lnTo>
-                  <a:lnTo>
-                    <a:pt x="0" y="0"/>
-                  </a:lnTo>
-                  <a:lnTo>
-                    <a:pt x="0" y="1635252"/>
-                  </a:lnTo>
-                </a:path>
-              </a:pathLst>
-            </a:custGeom>
-            <a:ln w="9525" cap="rnd">
-              <a:solidFill>
-                <a:srgbClr val="000000">
-                  <a:alpha val="100000"/>
-                </a:srgbClr>
-              </a:solidFill>
-              <a:prstDash val="solid"/>
-              <a:round/>
-            </a:ln>
-          </p:spPr>
-          <p:txBody>
-            <a:bodyPr/>
-            <a:lstStyle/>
-            <a:p>
-              <a:endParaRPr/>
-            </a:p>
-          </p:txBody>
-        </p:sp>
-        <p:sp>
-          <p:nvSpPr>
-            <p:cNvPr id="49" name="pl49"/>
-            <p:cNvSpPr/>
-            <p:nvPr/>
-          </p:nvSpPr>
-          <p:spPr>
-            <a:xfrm>
-              <a:off x="3331877" y="2054733"/>
-              <a:ext cx="3714368" cy="3270504"/>
-            </a:xfrm>
-            <a:custGeom>
-              <a:avLst/>
-              <a:gdLst/>
-              <a:ahLst/>
-              <a:cxnLst/>
-              <a:rect l="0" t="0" r="0" b="0"/>
-              <a:pathLst>
-                <a:path w="3714368" h="3270504">
-                  <a:moveTo>
-                    <a:pt x="0" y="3270504"/>
-                  </a:moveTo>
-                  <a:lnTo>
-                    <a:pt x="3714368" y="3270504"/>
-                  </a:lnTo>
-                  <a:lnTo>
-                    <a:pt x="3714368" y="0"/>
-                  </a:lnTo>
-                  <a:lnTo>
-                    <a:pt x="0" y="0"/>
-                  </a:lnTo>
-                  <a:lnTo>
-                    <a:pt x="0" y="3270504"/>
-                  </a:lnTo>
-                </a:path>
-              </a:pathLst>
-            </a:custGeom>
-            <a:ln w="9525" cap="rnd">
-              <a:solidFill>
-                <a:srgbClr val="000000">
-                  <a:alpha val="100000"/>
-                </a:srgbClr>
-              </a:solidFill>
-              <a:prstDash val="solid"/>
-              <a:round/>
-            </a:ln>
-          </p:spPr>
-          <p:txBody>
-            <a:bodyPr/>
-            <a:lstStyle/>
-            <a:p>
-              <a:endParaRPr/>
-            </a:p>
-          </p:txBody>
-        </p:sp>
-      </p:grpSp>
-    </p:spTree>
-    <p:extLst>
-      <p:ext uri="{BB962C8B-B14F-4D97-AF65-F5344CB8AC3E}">
-        <p14:creationId xmlns:p14="http://schemas.microsoft.com/office/powerpoint/2010/main" val="1384812569"/>
-      </p:ext>
-    </p:extLst>
   </p:cSld>
   <p:clrMapOvr>
     <a:masterClrMapping/>
